--- a/Developers/Scripting_guide/KLayout_PCell.pptx
+++ b/Developers/Scripting_guide/KLayout_PCell.pptx
@@ -863,10 +863,10 @@
           </a:ln>
           <a:extLst>
             <a:ext uri="{FAA26D3D-D897-4be2-8F04-BA451C77F1D7}">
-              <ma14:placeholderFlag xmlns:ma14="http://schemas.microsoft.com/office/mac/drawingml/2011/main" xmlns="" val="1"/>
+              <ma14:placeholderFlag xmlns="" xmlns:ma14="http://schemas.microsoft.com/office/mac/drawingml/2011/main" val="1"/>
             </a:ext>
             <a:ext uri="{909E8E84-426E-40dd-AFC4-6F175D3DCCD1}">
-              <a14:hiddenFill xmlns="" xmlns:a14="http://schemas.microsoft.com/office/drawing/2010/main">
+              <a14:hiddenFill xmlns:a14="http://schemas.microsoft.com/office/drawing/2010/main" xmlns="">
                 <a:solidFill>
                   <a:srgbClr val="FFFFFF"/>
                 </a:solidFill>
@@ -889,17 +889,17 @@
           <a:noFill/>
           <a:extLst>
             <a:ext uri="{FAA26D3D-D897-4be2-8F04-BA451C77F1D7}">
-              <ma14:placeholderFlag xmlns:ma14="http://schemas.microsoft.com/office/mac/drawingml/2011/main" xmlns="" val="1"/>
+              <ma14:placeholderFlag xmlns="" xmlns:ma14="http://schemas.microsoft.com/office/mac/drawingml/2011/main" val="1"/>
             </a:ext>
             <a:ext uri="{909E8E84-426E-40dd-AFC4-6F175D3DCCD1}">
-              <a14:hiddenFill xmlns="" xmlns:a14="http://schemas.microsoft.com/office/drawing/2010/main">
+              <a14:hiddenFill xmlns:a14="http://schemas.microsoft.com/office/drawing/2010/main" xmlns="">
                 <a:solidFill>
                   <a:srgbClr val="FFFFFF"/>
                 </a:solidFill>
               </a14:hiddenFill>
             </a:ext>
             <a:ext uri="{91240B29-F687-4f45-9708-019B960494DF}">
-              <a14:hiddenLine xmlns="" xmlns:a14="http://schemas.microsoft.com/office/drawing/2010/main" w="9525">
+              <a14:hiddenLine xmlns:a14="http://schemas.microsoft.com/office/drawing/2010/main" xmlns="" w="9525">
                 <a:solidFill>
                   <a:srgbClr val="000000"/>
                 </a:solidFill>
@@ -939,14 +939,14 @@
           <a:noFill/>
           <a:extLst>
             <a:ext uri="{909E8E84-426E-40dd-AFC4-6F175D3DCCD1}">
-              <a14:hiddenFill xmlns="" xmlns:a14="http://schemas.microsoft.com/office/drawing/2010/main">
+              <a14:hiddenFill xmlns:a14="http://schemas.microsoft.com/office/drawing/2010/main" xmlns="">
                 <a:solidFill>
                   <a:srgbClr val="FFFFFF"/>
                 </a:solidFill>
               </a14:hiddenFill>
             </a:ext>
             <a:ext uri="{91240B29-F687-4f45-9708-019B960494DF}">
-              <a14:hiddenLine xmlns="" xmlns:a14="http://schemas.microsoft.com/office/drawing/2010/main" w="9525">
+              <a14:hiddenLine xmlns:a14="http://schemas.microsoft.com/office/drawing/2010/main" xmlns="" w="9525">
                 <a:solidFill>
                   <a:srgbClr val="000000"/>
                 </a:solidFill>
@@ -3421,14 +3421,14 @@
           </a:ln>
           <a:extLst>
             <a:ext uri="{909E8E84-426E-40dd-AFC4-6F175D3DCCD1}">
-              <a14:hiddenFill xmlns:a14="http://schemas.microsoft.com/office/drawing/2010/main" xmlns="">
+              <a14:hiddenFill xmlns="" xmlns:a14="http://schemas.microsoft.com/office/drawing/2010/main">
                 <a:solidFill>
                   <a:srgbClr val="FFFFFF"/>
                 </a:solidFill>
               </a14:hiddenFill>
             </a:ext>
             <a:ext uri="{91240B29-F687-4f45-9708-019B960494DF}">
-              <a14:hiddenLine xmlns:a14="http://schemas.microsoft.com/office/drawing/2010/main" xmlns="" w="9525">
+              <a14:hiddenLine xmlns="" xmlns:a14="http://schemas.microsoft.com/office/drawing/2010/main" w="9525">
                 <a:solidFill>
                   <a:srgbClr val="000000"/>
                 </a:solidFill>
@@ -3682,14 +3682,14 @@
             </a:ln>
             <a:extLst>
               <a:ext uri="{909E8E84-426E-40dd-AFC4-6F175D3DCCD1}">
-                <a14:hiddenFill xmlns:a14="http://schemas.microsoft.com/office/drawing/2010/main" xmlns="">
+                <a14:hiddenFill xmlns="" xmlns:a14="http://schemas.microsoft.com/office/drawing/2010/main">
                   <a:solidFill>
                     <a:srgbClr val="FFFFFF"/>
                   </a:solidFill>
                 </a14:hiddenFill>
               </a:ext>
               <a:ext uri="{91240B29-F687-4f45-9708-019B960494DF}">
-                <a14:hiddenLine xmlns:a14="http://schemas.microsoft.com/office/drawing/2010/main" xmlns="" w="9525">
+                <a14:hiddenLine xmlns="" xmlns:a14="http://schemas.microsoft.com/office/drawing/2010/main" w="9525">
                   <a:solidFill>
                     <a:srgbClr val="000000"/>
                   </a:solidFill>
@@ -3932,14 +3932,14 @@
           </a:ln>
           <a:extLst>
             <a:ext uri="{909E8E84-426E-40dd-AFC4-6F175D3DCCD1}">
-              <a14:hiddenFill xmlns="" xmlns:a14="http://schemas.microsoft.com/office/drawing/2010/main">
+              <a14:hiddenFill xmlns:a14="http://schemas.microsoft.com/office/drawing/2010/main" xmlns="">
                 <a:solidFill>
                   <a:srgbClr val="FFFFFF"/>
                 </a:solidFill>
               </a14:hiddenFill>
             </a:ext>
             <a:ext uri="{91240B29-F687-4f45-9708-019B960494DF}">
-              <a14:hiddenLine xmlns="" xmlns:a14="http://schemas.microsoft.com/office/drawing/2010/main" w="9525">
+              <a14:hiddenLine xmlns:a14="http://schemas.microsoft.com/office/drawing/2010/main" xmlns="" w="9525">
                 <a:solidFill>
                   <a:srgbClr val="000000"/>
                 </a:solidFill>
@@ -4158,14 +4158,14 @@
             </a:ln>
             <a:extLst>
               <a:ext uri="{909E8E84-426E-40dd-AFC4-6F175D3DCCD1}">
-                <a14:hiddenFill xmlns="" xmlns:a14="http://schemas.microsoft.com/office/drawing/2010/main">
+                <a14:hiddenFill xmlns:a14="http://schemas.microsoft.com/office/drawing/2010/main" xmlns="">
                   <a:solidFill>
                     <a:srgbClr val="FFFFFF"/>
                   </a:solidFill>
                 </a14:hiddenFill>
               </a:ext>
               <a:ext uri="{91240B29-F687-4f45-9708-019B960494DF}">
-                <a14:hiddenLine xmlns="" xmlns:a14="http://schemas.microsoft.com/office/drawing/2010/main" w="9525">
+                <a14:hiddenLine xmlns:a14="http://schemas.microsoft.com/office/drawing/2010/main" xmlns="" w="9525">
                   <a:solidFill>
                     <a:srgbClr val="000000"/>
                   </a:solidFill>
@@ -4621,14 +4621,14 @@
           </a:ln>
           <a:extLst>
             <a:ext uri="{909E8E84-426E-40dd-AFC4-6F175D3DCCD1}">
-              <a14:hiddenFill xmlns:a14="http://schemas.microsoft.com/office/drawing/2010/main" xmlns="">
+              <a14:hiddenFill xmlns="" xmlns:a14="http://schemas.microsoft.com/office/drawing/2010/main">
                 <a:solidFill>
                   <a:srgbClr val="FFFFFF"/>
                 </a:solidFill>
               </a14:hiddenFill>
             </a:ext>
             <a:ext uri="{91240B29-F687-4f45-9708-019B960494DF}">
-              <a14:hiddenLine xmlns:a14="http://schemas.microsoft.com/office/drawing/2010/main" xmlns="" w="9525">
+              <a14:hiddenLine xmlns="" xmlns:a14="http://schemas.microsoft.com/office/drawing/2010/main" w="9525">
                 <a:solidFill>
                   <a:srgbClr val="000000"/>
                 </a:solidFill>
@@ -4847,14 +4847,14 @@
             </a:ln>
             <a:extLst>
               <a:ext uri="{909E8E84-426E-40dd-AFC4-6F175D3DCCD1}">
-                <a14:hiddenFill xmlns:a14="http://schemas.microsoft.com/office/drawing/2010/main" xmlns="">
+                <a14:hiddenFill xmlns="" xmlns:a14="http://schemas.microsoft.com/office/drawing/2010/main">
                   <a:solidFill>
                     <a:srgbClr val="FFFFFF"/>
                   </a:solidFill>
                 </a14:hiddenFill>
               </a:ext>
               <a:ext uri="{91240B29-F687-4f45-9708-019B960494DF}">
-                <a14:hiddenLine xmlns:a14="http://schemas.microsoft.com/office/drawing/2010/main" xmlns="" w="9525">
+                <a14:hiddenLine xmlns="" xmlns:a14="http://schemas.microsoft.com/office/drawing/2010/main" w="9525">
                   <a:solidFill>
                     <a:srgbClr val="000000"/>
                   </a:solidFill>
@@ -5097,14 +5097,14 @@
           </a:ln>
           <a:extLst>
             <a:ext uri="{909E8E84-426E-40dd-AFC4-6F175D3DCCD1}">
-              <a14:hiddenFill xmlns="" xmlns:a14="http://schemas.microsoft.com/office/drawing/2010/main">
+              <a14:hiddenFill xmlns:a14="http://schemas.microsoft.com/office/drawing/2010/main" xmlns="">
                 <a:solidFill>
                   <a:srgbClr val="FFFFFF"/>
                 </a:solidFill>
               </a14:hiddenFill>
             </a:ext>
             <a:ext uri="{91240B29-F687-4f45-9708-019B960494DF}">
-              <a14:hiddenLine xmlns="" xmlns:a14="http://schemas.microsoft.com/office/drawing/2010/main" w="9525">
+              <a14:hiddenLine xmlns:a14="http://schemas.microsoft.com/office/drawing/2010/main" xmlns="" w="9525">
                 <a:solidFill>
                   <a:srgbClr val="000000"/>
                 </a:solidFill>
@@ -5358,14 +5358,14 @@
             </a:ln>
             <a:extLst>
               <a:ext uri="{909E8E84-426E-40dd-AFC4-6F175D3DCCD1}">
-                <a14:hiddenFill xmlns="" xmlns:a14="http://schemas.microsoft.com/office/drawing/2010/main">
+                <a14:hiddenFill xmlns:a14="http://schemas.microsoft.com/office/drawing/2010/main" xmlns="">
                   <a:solidFill>
                     <a:srgbClr val="FFFFFF"/>
                   </a:solidFill>
                 </a14:hiddenFill>
               </a:ext>
               <a:ext uri="{91240B29-F687-4f45-9708-019B960494DF}">
-                <a14:hiddenLine xmlns="" xmlns:a14="http://schemas.microsoft.com/office/drawing/2010/main" w="9525">
+                <a14:hiddenLine xmlns:a14="http://schemas.microsoft.com/office/drawing/2010/main" xmlns="" w="9525">
                   <a:solidFill>
                     <a:srgbClr val="000000"/>
                   </a:solidFill>
@@ -5691,14 +5691,14 @@
           </a:ln>
           <a:extLst>
             <a:ext uri="{909E8E84-426E-40dd-AFC4-6F175D3DCCD1}">
-              <a14:hiddenFill xmlns:a14="http://schemas.microsoft.com/office/drawing/2010/main" xmlns="">
+              <a14:hiddenFill xmlns="" xmlns:a14="http://schemas.microsoft.com/office/drawing/2010/main">
                 <a:solidFill>
                   <a:srgbClr val="FFFFFF"/>
                 </a:solidFill>
               </a14:hiddenFill>
             </a:ext>
             <a:ext uri="{91240B29-F687-4f45-9708-019B960494DF}">
-              <a14:hiddenLine xmlns:a14="http://schemas.microsoft.com/office/drawing/2010/main" xmlns="" w="9525">
+              <a14:hiddenLine xmlns="" xmlns:a14="http://schemas.microsoft.com/office/drawing/2010/main" w="9525">
                 <a:solidFill>
                   <a:srgbClr val="000000"/>
                 </a:solidFill>
@@ -5952,14 +5952,14 @@
             </a:ln>
             <a:extLst>
               <a:ext uri="{909E8E84-426E-40dd-AFC4-6F175D3DCCD1}">
-                <a14:hiddenFill xmlns:a14="http://schemas.microsoft.com/office/drawing/2010/main" xmlns="">
+                <a14:hiddenFill xmlns="" xmlns:a14="http://schemas.microsoft.com/office/drawing/2010/main">
                   <a:solidFill>
                     <a:srgbClr val="FFFFFF"/>
                   </a:solidFill>
                 </a14:hiddenFill>
               </a:ext>
               <a:ext uri="{91240B29-F687-4f45-9708-019B960494DF}">
-                <a14:hiddenLine xmlns:a14="http://schemas.microsoft.com/office/drawing/2010/main" xmlns="" w="9525">
+                <a14:hiddenLine xmlns="" xmlns:a14="http://schemas.microsoft.com/office/drawing/2010/main" w="9525">
                   <a:solidFill>
                     <a:srgbClr val="000000"/>
                   </a:solidFill>
@@ -6202,14 +6202,14 @@
           </a:ln>
           <a:extLst>
             <a:ext uri="{909E8E84-426E-40dd-AFC4-6F175D3DCCD1}">
-              <a14:hiddenFill xmlns="" xmlns:a14="http://schemas.microsoft.com/office/drawing/2010/main">
+              <a14:hiddenFill xmlns:a14="http://schemas.microsoft.com/office/drawing/2010/main" xmlns="">
                 <a:solidFill>
                   <a:srgbClr val="FFFFFF"/>
                 </a:solidFill>
               </a14:hiddenFill>
             </a:ext>
             <a:ext uri="{91240B29-F687-4f45-9708-019B960494DF}">
-              <a14:hiddenLine xmlns="" xmlns:a14="http://schemas.microsoft.com/office/drawing/2010/main" w="9525">
+              <a14:hiddenLine xmlns:a14="http://schemas.microsoft.com/office/drawing/2010/main" xmlns="" w="9525">
                 <a:solidFill>
                   <a:srgbClr val="000000"/>
                 </a:solidFill>
@@ -6593,14 +6593,14 @@
             </a:ln>
             <a:extLst>
               <a:ext uri="{909E8E84-426E-40dd-AFC4-6F175D3DCCD1}">
-                <a14:hiddenFill xmlns="" xmlns:a14="http://schemas.microsoft.com/office/drawing/2010/main">
+                <a14:hiddenFill xmlns:a14="http://schemas.microsoft.com/office/drawing/2010/main" xmlns="">
                   <a:solidFill>
                     <a:srgbClr val="FFFFFF"/>
                   </a:solidFill>
                 </a14:hiddenFill>
               </a:ext>
               <a:ext uri="{91240B29-F687-4f45-9708-019B960494DF}">
-                <a14:hiddenLine xmlns="" xmlns:a14="http://schemas.microsoft.com/office/drawing/2010/main" w="9525">
+                <a14:hiddenLine xmlns:a14="http://schemas.microsoft.com/office/drawing/2010/main" xmlns="" w="9525">
                   <a:solidFill>
                     <a:srgbClr val="000000"/>
                   </a:solidFill>
@@ -6738,14 +6738,14 @@
           </a:ln>
           <a:extLst>
             <a:ext uri="{909E8E84-426E-40dd-AFC4-6F175D3DCCD1}">
-              <a14:hiddenFill xmlns:a14="http://schemas.microsoft.com/office/drawing/2010/main" xmlns="">
+              <a14:hiddenFill xmlns="" xmlns:a14="http://schemas.microsoft.com/office/drawing/2010/main">
                 <a:solidFill>
                   <a:srgbClr val="FFFFFF"/>
                 </a:solidFill>
               </a14:hiddenFill>
             </a:ext>
             <a:ext uri="{91240B29-F687-4f45-9708-019B960494DF}">
-              <a14:hiddenLine xmlns:a14="http://schemas.microsoft.com/office/drawing/2010/main" xmlns="" w="9525">
+              <a14:hiddenLine xmlns="" xmlns:a14="http://schemas.microsoft.com/office/drawing/2010/main" w="9525">
                 <a:solidFill>
                   <a:srgbClr val="000000"/>
                 </a:solidFill>
@@ -7129,14 +7129,14 @@
             </a:ln>
             <a:extLst>
               <a:ext uri="{909E8E84-426E-40dd-AFC4-6F175D3DCCD1}">
-                <a14:hiddenFill xmlns:a14="http://schemas.microsoft.com/office/drawing/2010/main" xmlns="">
+                <a14:hiddenFill xmlns="" xmlns:a14="http://schemas.microsoft.com/office/drawing/2010/main">
                   <a:solidFill>
                     <a:srgbClr val="FFFFFF"/>
                   </a:solidFill>
                 </a14:hiddenFill>
               </a:ext>
               <a:ext uri="{91240B29-F687-4f45-9708-019B960494DF}">
-                <a14:hiddenLine xmlns:a14="http://schemas.microsoft.com/office/drawing/2010/main" xmlns="" w="9525">
+                <a14:hiddenLine xmlns="" xmlns:a14="http://schemas.microsoft.com/office/drawing/2010/main" w="9525">
                   <a:solidFill>
                     <a:srgbClr val="000000"/>
                   </a:solidFill>
@@ -7214,14 +7214,14 @@
           </a:ln>
           <a:extLst>
             <a:ext uri="{909E8E84-426E-40dd-AFC4-6F175D3DCCD1}">
-              <a14:hiddenFill xmlns:a14="http://schemas.microsoft.com/office/drawing/2010/main" xmlns="">
+              <a14:hiddenFill xmlns="" xmlns:a14="http://schemas.microsoft.com/office/drawing/2010/main">
                 <a:solidFill>
                   <a:srgbClr val="FFFFFF"/>
                 </a:solidFill>
               </a14:hiddenFill>
             </a:ext>
             <a:ext uri="{91240B29-F687-4f45-9708-019B960494DF}">
-              <a14:hiddenLine xmlns:a14="http://schemas.microsoft.com/office/drawing/2010/main" xmlns="" w="9525">
+              <a14:hiddenLine xmlns="" xmlns:a14="http://schemas.microsoft.com/office/drawing/2010/main" w="9525">
                 <a:solidFill>
                   <a:srgbClr val="000000"/>
                 </a:solidFill>
@@ -7440,14 +7440,14 @@
             </a:ln>
             <a:extLst>
               <a:ext uri="{909E8E84-426E-40dd-AFC4-6F175D3DCCD1}">
-                <a14:hiddenFill xmlns:a14="http://schemas.microsoft.com/office/drawing/2010/main" xmlns="">
+                <a14:hiddenFill xmlns="" xmlns:a14="http://schemas.microsoft.com/office/drawing/2010/main">
                   <a:solidFill>
                     <a:srgbClr val="FFFFFF"/>
                   </a:solidFill>
                 </a14:hiddenFill>
               </a:ext>
               <a:ext uri="{91240B29-F687-4f45-9708-019B960494DF}">
-                <a14:hiddenLine xmlns:a14="http://schemas.microsoft.com/office/drawing/2010/main" xmlns="" w="9525">
+                <a14:hiddenLine xmlns="" xmlns:a14="http://schemas.microsoft.com/office/drawing/2010/main" w="9525">
                   <a:solidFill>
                     <a:srgbClr val="000000"/>
                   </a:solidFill>
@@ -7931,14 +7931,14 @@
           </a:ln>
           <a:extLst>
             <a:ext uri="{909E8E84-426E-40dd-AFC4-6F175D3DCCD1}">
-              <a14:hiddenFill xmlns:a14="http://schemas.microsoft.com/office/drawing/2010/main" xmlns="">
+              <a14:hiddenFill xmlns="" xmlns:a14="http://schemas.microsoft.com/office/drawing/2010/main">
                 <a:solidFill>
                   <a:srgbClr val="FFFFFF"/>
                 </a:solidFill>
               </a14:hiddenFill>
             </a:ext>
             <a:ext uri="{91240B29-F687-4f45-9708-019B960494DF}">
-              <a14:hiddenLine xmlns:a14="http://schemas.microsoft.com/office/drawing/2010/main" xmlns="" w="9525">
+              <a14:hiddenLine xmlns="" xmlns:a14="http://schemas.microsoft.com/office/drawing/2010/main" w="9525">
                 <a:solidFill>
                   <a:srgbClr val="000000"/>
                 </a:solidFill>
@@ -8192,14 +8192,14 @@
             </a:ln>
             <a:extLst>
               <a:ext uri="{909E8E84-426E-40dd-AFC4-6F175D3DCCD1}">
-                <a14:hiddenFill xmlns:a14="http://schemas.microsoft.com/office/drawing/2010/main" xmlns="">
+                <a14:hiddenFill xmlns="" xmlns:a14="http://schemas.microsoft.com/office/drawing/2010/main">
                   <a:solidFill>
                     <a:srgbClr val="FFFFFF"/>
                   </a:solidFill>
                 </a14:hiddenFill>
               </a:ext>
               <a:ext uri="{91240B29-F687-4f45-9708-019B960494DF}">
-                <a14:hiddenLine xmlns:a14="http://schemas.microsoft.com/office/drawing/2010/main" xmlns="" w="9525">
+                <a14:hiddenLine xmlns="" xmlns:a14="http://schemas.microsoft.com/office/drawing/2010/main" w="9525">
                   <a:solidFill>
                     <a:srgbClr val="000000"/>
                   </a:solidFill>
@@ -8555,14 +8555,14 @@
           </a:ln>
           <a:extLst>
             <a:ext uri="{909E8E84-426E-40dd-AFC4-6F175D3DCCD1}">
-              <a14:hiddenFill xmlns:a14="http://schemas.microsoft.com/office/drawing/2010/main" xmlns="">
+              <a14:hiddenFill xmlns="" xmlns:a14="http://schemas.microsoft.com/office/drawing/2010/main">
                 <a:solidFill>
                   <a:srgbClr val="FFFFFF"/>
                 </a:solidFill>
               </a14:hiddenFill>
             </a:ext>
             <a:ext uri="{91240B29-F687-4f45-9708-019B960494DF}">
-              <a14:hiddenLine xmlns:a14="http://schemas.microsoft.com/office/drawing/2010/main" xmlns="" w="9525">
+              <a14:hiddenLine xmlns="" xmlns:a14="http://schemas.microsoft.com/office/drawing/2010/main" w="9525">
                 <a:solidFill>
                   <a:srgbClr val="000000"/>
                 </a:solidFill>
@@ -8946,14 +8946,14 @@
             </a:ln>
             <a:extLst>
               <a:ext uri="{909E8E84-426E-40dd-AFC4-6F175D3DCCD1}">
-                <a14:hiddenFill xmlns:a14="http://schemas.microsoft.com/office/drawing/2010/main" xmlns="">
+                <a14:hiddenFill xmlns="" xmlns:a14="http://schemas.microsoft.com/office/drawing/2010/main">
                   <a:solidFill>
                     <a:srgbClr val="FFFFFF"/>
                   </a:solidFill>
                 </a14:hiddenFill>
               </a:ext>
               <a:ext uri="{91240B29-F687-4f45-9708-019B960494DF}">
-                <a14:hiddenLine xmlns:a14="http://schemas.microsoft.com/office/drawing/2010/main" xmlns="" w="9525">
+                <a14:hiddenLine xmlns="" xmlns:a14="http://schemas.microsoft.com/office/drawing/2010/main" w="9525">
                   <a:solidFill>
                     <a:srgbClr val="000000"/>
                   </a:solidFill>
@@ -13882,17 +13882,17 @@
           </a:ln>
           <a:extLst>
             <a:ext uri="{FAA26D3D-D897-4be2-8F04-BA451C77F1D7}">
-              <ma14:placeholderFlag xmlns:ma14="http://schemas.microsoft.com/office/mac/drawingml/2011/main" xmlns="" val="1"/>
+              <ma14:placeholderFlag xmlns="" xmlns:ma14="http://schemas.microsoft.com/office/mac/drawingml/2011/main" val="1"/>
             </a:ext>
             <a:ext uri="{909E8E84-426E-40dd-AFC4-6F175D3DCCD1}">
-              <a14:hiddenFill xmlns:a14="http://schemas.microsoft.com/office/drawing/2010/main" xmlns="">
+              <a14:hiddenFill xmlns="" xmlns:a14="http://schemas.microsoft.com/office/drawing/2010/main">
                 <a:solidFill>
                   <a:srgbClr val="FFFFFF"/>
                 </a:solidFill>
               </a14:hiddenFill>
             </a:ext>
             <a:ext uri="{91240B29-F687-4f45-9708-019B960494DF}">
-              <a14:hiddenLine xmlns:a14="http://schemas.microsoft.com/office/drawing/2010/main" xmlns="" w="9525">
+              <a14:hiddenLine xmlns="" xmlns:a14="http://schemas.microsoft.com/office/drawing/2010/main" w="9525">
                 <a:solidFill>
                   <a:srgbClr val="000000"/>
                 </a:solidFill>
@@ -13943,17 +13943,17 @@
           </a:ln>
           <a:extLst>
             <a:ext uri="{FAA26D3D-D897-4be2-8F04-BA451C77F1D7}">
-              <ma14:placeholderFlag xmlns:ma14="http://schemas.microsoft.com/office/mac/drawingml/2011/main" xmlns="" val="1"/>
+              <ma14:placeholderFlag xmlns="" xmlns:ma14="http://schemas.microsoft.com/office/mac/drawingml/2011/main" val="1"/>
             </a:ext>
             <a:ext uri="{909E8E84-426E-40dd-AFC4-6F175D3DCCD1}">
-              <a14:hiddenFill xmlns:a14="http://schemas.microsoft.com/office/drawing/2010/main" xmlns="">
+              <a14:hiddenFill xmlns="" xmlns:a14="http://schemas.microsoft.com/office/drawing/2010/main">
                 <a:solidFill>
                   <a:srgbClr val="FFFFFF"/>
                 </a:solidFill>
               </a14:hiddenFill>
             </a:ext>
             <a:ext uri="{91240B29-F687-4f45-9708-019B960494DF}">
-              <a14:hiddenLine xmlns:a14="http://schemas.microsoft.com/office/drawing/2010/main" xmlns="" w="9525">
+              <a14:hiddenLine xmlns="" xmlns:a14="http://schemas.microsoft.com/office/drawing/2010/main" w="9525">
                 <a:solidFill>
                   <a:srgbClr val="000000"/>
                 </a:solidFill>
@@ -14600,17 +14600,17 @@
           </a:ln>
           <a:extLst>
             <a:ext uri="{FAA26D3D-D897-4be2-8F04-BA451C77F1D7}">
-              <ma14:placeholderFlag xmlns="" xmlns:ma14="http://schemas.microsoft.com/office/mac/drawingml/2011/main" val="1"/>
+              <ma14:placeholderFlag xmlns:ma14="http://schemas.microsoft.com/office/mac/drawingml/2011/main" xmlns="" val="1"/>
             </a:ext>
             <a:ext uri="{909E8E84-426E-40dd-AFC4-6F175D3DCCD1}">
-              <a14:hiddenFill xmlns="" xmlns:a14="http://schemas.microsoft.com/office/drawing/2010/main">
+              <a14:hiddenFill xmlns:a14="http://schemas.microsoft.com/office/drawing/2010/main" xmlns="">
                 <a:solidFill>
                   <a:srgbClr val="FFFFFF"/>
                 </a:solidFill>
               </a14:hiddenFill>
             </a:ext>
             <a:ext uri="{91240B29-F687-4f45-9708-019B960494DF}">
-              <a14:hiddenLine xmlns="" xmlns:a14="http://schemas.microsoft.com/office/drawing/2010/main" w="9525">
+              <a14:hiddenLine xmlns:a14="http://schemas.microsoft.com/office/drawing/2010/main" xmlns="" w="9525">
                 <a:solidFill>
                   <a:srgbClr val="000000"/>
                 </a:solidFill>
@@ -14661,17 +14661,17 @@
           </a:ln>
           <a:extLst>
             <a:ext uri="{FAA26D3D-D897-4be2-8F04-BA451C77F1D7}">
-              <ma14:placeholderFlag xmlns="" xmlns:ma14="http://schemas.microsoft.com/office/mac/drawingml/2011/main" val="1"/>
+              <ma14:placeholderFlag xmlns:ma14="http://schemas.microsoft.com/office/mac/drawingml/2011/main" xmlns="" val="1"/>
             </a:ext>
             <a:ext uri="{909E8E84-426E-40dd-AFC4-6F175D3DCCD1}">
-              <a14:hiddenFill xmlns="" xmlns:a14="http://schemas.microsoft.com/office/drawing/2010/main">
+              <a14:hiddenFill xmlns:a14="http://schemas.microsoft.com/office/drawing/2010/main" xmlns="">
                 <a:solidFill>
                   <a:srgbClr val="FFFFFF"/>
                 </a:solidFill>
               </a14:hiddenFill>
             </a:ext>
             <a:ext uri="{91240B29-F687-4f45-9708-019B960494DF}">
-              <a14:hiddenLine xmlns="" xmlns:a14="http://schemas.microsoft.com/office/drawing/2010/main" w="9525">
+              <a14:hiddenLine xmlns:a14="http://schemas.microsoft.com/office/drawing/2010/main" xmlns="" w="9525">
                 <a:solidFill>
                   <a:srgbClr val="000000"/>
                 </a:solidFill>
@@ -15313,17 +15313,17 @@
           </a:ln>
           <a:extLst>
             <a:ext uri="{FAA26D3D-D897-4be2-8F04-BA451C77F1D7}">
-              <ma14:placeholderFlag xmlns="" xmlns:ma14="http://schemas.microsoft.com/office/mac/drawingml/2011/main" val="1"/>
+              <ma14:placeholderFlag xmlns:ma14="http://schemas.microsoft.com/office/mac/drawingml/2011/main" xmlns="" val="1"/>
             </a:ext>
             <a:ext uri="{909E8E84-426E-40dd-AFC4-6F175D3DCCD1}">
-              <a14:hiddenFill xmlns="" xmlns:a14="http://schemas.microsoft.com/office/drawing/2010/main">
+              <a14:hiddenFill xmlns:a14="http://schemas.microsoft.com/office/drawing/2010/main" xmlns="">
                 <a:solidFill>
                   <a:srgbClr val="FFFFFF"/>
                 </a:solidFill>
               </a14:hiddenFill>
             </a:ext>
             <a:ext uri="{91240B29-F687-4f45-9708-019B960494DF}">
-              <a14:hiddenLine xmlns="" xmlns:a14="http://schemas.microsoft.com/office/drawing/2010/main" w="9525">
+              <a14:hiddenLine xmlns:a14="http://schemas.microsoft.com/office/drawing/2010/main" xmlns="" w="9525">
                 <a:solidFill>
                   <a:srgbClr val="000000"/>
                 </a:solidFill>
@@ -15374,17 +15374,17 @@
           </a:ln>
           <a:extLst>
             <a:ext uri="{FAA26D3D-D897-4be2-8F04-BA451C77F1D7}">
-              <ma14:placeholderFlag xmlns="" xmlns:ma14="http://schemas.microsoft.com/office/mac/drawingml/2011/main" val="1"/>
+              <ma14:placeholderFlag xmlns:ma14="http://schemas.microsoft.com/office/mac/drawingml/2011/main" xmlns="" val="1"/>
             </a:ext>
             <a:ext uri="{909E8E84-426E-40dd-AFC4-6F175D3DCCD1}">
-              <a14:hiddenFill xmlns="" xmlns:a14="http://schemas.microsoft.com/office/drawing/2010/main">
+              <a14:hiddenFill xmlns:a14="http://schemas.microsoft.com/office/drawing/2010/main" xmlns="">
                 <a:solidFill>
                   <a:srgbClr val="FFFFFF"/>
                 </a:solidFill>
               </a14:hiddenFill>
             </a:ext>
             <a:ext uri="{91240B29-F687-4f45-9708-019B960494DF}">
-              <a14:hiddenLine xmlns="" xmlns:a14="http://schemas.microsoft.com/office/drawing/2010/main" w="9525">
+              <a14:hiddenLine xmlns:a14="http://schemas.microsoft.com/office/drawing/2010/main" xmlns="" w="9525">
                 <a:solidFill>
                   <a:srgbClr val="000000"/>
                 </a:solidFill>
@@ -16047,14 +16047,14 @@
           </a:ln>
           <a:extLst>
             <a:ext uri="{909E8E84-426E-40dd-AFC4-6F175D3DCCD1}">
-              <a14:hiddenFill xmlns="" xmlns:a14="http://schemas.microsoft.com/office/drawing/2010/main">
+              <a14:hiddenFill xmlns:a14="http://schemas.microsoft.com/office/drawing/2010/main" xmlns="">
                 <a:solidFill>
                   <a:srgbClr val="FFFFFF"/>
                 </a:solidFill>
               </a14:hiddenFill>
             </a:ext>
             <a:ext uri="{91240B29-F687-4f45-9708-019B960494DF}">
-              <a14:hiddenLine xmlns="" xmlns:a14="http://schemas.microsoft.com/office/drawing/2010/main" w="9525">
+              <a14:hiddenLine xmlns:a14="http://schemas.microsoft.com/office/drawing/2010/main" xmlns="" w="9525">
                 <a:solidFill>
                   <a:srgbClr val="000000"/>
                 </a:solidFill>
@@ -16099,14 +16099,14 @@
                 <a:ea typeface="ＭＳ Ｐゴシック" charset="-128"/>
                 <a:cs typeface="Times New Roman" panose="02020603050405020304" pitchFamily="18" charset="0"/>
               </a:rPr>
-              <a:t>: Parameterized Cells </a:t>
-            </a:r>
-            <a:r>
-              <a:rPr kumimoji="0" lang="en-US" altLang="zh-CN" sz="3200" b="1" dirty="0" err="1">
+              <a:t>: Parameterized </a:t>
+            </a:r>
+            <a:r>
+              <a:rPr kumimoji="0" lang="en-US" altLang="zh-CN" sz="3200" b="1">
                 <a:ea typeface="ＭＳ Ｐゴシック" charset="-128"/>
                 <a:cs typeface="Times New Roman" panose="02020603050405020304" pitchFamily="18" charset="0"/>
               </a:rPr>
-              <a:t>Scriptnig</a:t>
+              <a:t>Cells Scripting</a:t>
             </a:r>
             <a:br>
               <a:rPr kumimoji="0" lang="en-US" altLang="zh-CN" sz="3200" b="1" dirty="0">
@@ -16190,14 +16190,14 @@
           </a:ln>
           <a:extLst>
             <a:ext uri="{909E8E84-426E-40dd-AFC4-6F175D3DCCD1}">
-              <a14:hiddenFill xmlns="" xmlns:a14="http://schemas.microsoft.com/office/drawing/2010/main">
+              <a14:hiddenFill xmlns:a14="http://schemas.microsoft.com/office/drawing/2010/main" xmlns="">
                 <a:solidFill>
                   <a:srgbClr val="FFFFFF"/>
                 </a:solidFill>
               </a14:hiddenFill>
             </a:ext>
             <a:ext uri="{91240B29-F687-4f45-9708-019B960494DF}">
-              <a14:hiddenLine xmlns="" xmlns:a14="http://schemas.microsoft.com/office/drawing/2010/main" w="9525">
+              <a14:hiddenLine xmlns:a14="http://schemas.microsoft.com/office/drawing/2010/main" xmlns="" w="9525">
                 <a:solidFill>
                   <a:srgbClr val="000000"/>
                 </a:solidFill>

--- a/Developers/Scripting_guide/KLayout_PCell.pptx
+++ b/Developers/Scripting_guide/KLayout_PCell.pptx
@@ -294,7 +294,7 @@
             <a:fld id="{16215AEE-C922-4944-98A7-22910184AC8A}" type="datetimeFigureOut">
               <a:rPr lang="en-US" altLang="zh-CN"/>
               <a:pPr/>
-              <a:t>5/13/2019</a:t>
+              <a:t>5/14/2019</a:t>
             </a:fld>
             <a:endParaRPr lang="en-US" altLang="zh-CN"/>
           </a:p>
@@ -498,7 +498,7 @@
             <a:fld id="{CA038EEF-2DAF-6B44-A6B5-C268C3465D47}" type="datetimeFigureOut">
               <a:rPr lang="en-CA" altLang="zh-CN"/>
               <a:pPr/>
-              <a:t>2019-05-13</a:t>
+              <a:t>2019-05-14</a:t>
             </a:fld>
             <a:endParaRPr lang="en-CA" altLang="zh-CN"/>
           </a:p>
@@ -863,10 +863,10 @@
           </a:ln>
           <a:extLst>
             <a:ext uri="{FAA26D3D-D897-4be2-8F04-BA451C77F1D7}">
-              <ma14:placeholderFlag xmlns="" xmlns:ma14="http://schemas.microsoft.com/office/mac/drawingml/2011/main" val="1"/>
+              <ma14:placeholderFlag xmlns:ma14="http://schemas.microsoft.com/office/mac/drawingml/2011/main" xmlns="" val="1"/>
             </a:ext>
             <a:ext uri="{909E8E84-426E-40dd-AFC4-6F175D3DCCD1}">
-              <a14:hiddenFill xmlns:a14="http://schemas.microsoft.com/office/drawing/2010/main" xmlns="">
+              <a14:hiddenFill xmlns="" xmlns:a14="http://schemas.microsoft.com/office/drawing/2010/main">
                 <a:solidFill>
                   <a:srgbClr val="FFFFFF"/>
                 </a:solidFill>
@@ -889,17 +889,17 @@
           <a:noFill/>
           <a:extLst>
             <a:ext uri="{FAA26D3D-D897-4be2-8F04-BA451C77F1D7}">
-              <ma14:placeholderFlag xmlns="" xmlns:ma14="http://schemas.microsoft.com/office/mac/drawingml/2011/main" val="1"/>
+              <ma14:placeholderFlag xmlns:ma14="http://schemas.microsoft.com/office/mac/drawingml/2011/main" xmlns="" val="1"/>
             </a:ext>
             <a:ext uri="{909E8E84-426E-40dd-AFC4-6F175D3DCCD1}">
-              <a14:hiddenFill xmlns:a14="http://schemas.microsoft.com/office/drawing/2010/main" xmlns="">
+              <a14:hiddenFill xmlns="" xmlns:a14="http://schemas.microsoft.com/office/drawing/2010/main">
                 <a:solidFill>
                   <a:srgbClr val="FFFFFF"/>
                 </a:solidFill>
               </a14:hiddenFill>
             </a:ext>
             <a:ext uri="{91240B29-F687-4f45-9708-019B960494DF}">
-              <a14:hiddenLine xmlns:a14="http://schemas.microsoft.com/office/drawing/2010/main" xmlns="" w="9525">
+              <a14:hiddenLine xmlns="" xmlns:a14="http://schemas.microsoft.com/office/drawing/2010/main" w="9525">
                 <a:solidFill>
                   <a:srgbClr val="000000"/>
                 </a:solidFill>
@@ -939,14 +939,14 @@
           <a:noFill/>
           <a:extLst>
             <a:ext uri="{909E8E84-426E-40dd-AFC4-6F175D3DCCD1}">
-              <a14:hiddenFill xmlns:a14="http://schemas.microsoft.com/office/drawing/2010/main" xmlns="">
+              <a14:hiddenFill xmlns="" xmlns:a14="http://schemas.microsoft.com/office/drawing/2010/main">
                 <a:solidFill>
                   <a:srgbClr val="FFFFFF"/>
                 </a:solidFill>
               </a14:hiddenFill>
             </a:ext>
             <a:ext uri="{91240B29-F687-4f45-9708-019B960494DF}">
-              <a14:hiddenLine xmlns:a14="http://schemas.microsoft.com/office/drawing/2010/main" xmlns="" w="9525">
+              <a14:hiddenLine xmlns="" xmlns:a14="http://schemas.microsoft.com/office/drawing/2010/main" w="9525">
                 <a:solidFill>
                   <a:srgbClr val="000000"/>
                 </a:solidFill>
@@ -2669,7 +2669,7 @@
             <a:fld id="{2C31E0B7-D99D-9840-9AA4-AFE996601F1A}" type="datetime1">
               <a:rPr lang="en-US" altLang="zh-CN"/>
               <a:pPr/>
-              <a:t>5/13/2019</a:t>
+              <a:t>5/14/2019</a:t>
             </a:fld>
             <a:endParaRPr lang="en-US" altLang="zh-CN"/>
           </a:p>
@@ -2854,7 +2854,7 @@
             <a:fld id="{8CD81206-CB00-054A-A73E-85C388CF01BA}" type="datetime1">
               <a:rPr lang="en-US" altLang="zh-CN"/>
               <a:pPr/>
-              <a:t>5/13/2019</a:t>
+              <a:t>5/14/2019</a:t>
             </a:fld>
             <a:endParaRPr lang="en-US" altLang="zh-CN"/>
           </a:p>
@@ -3049,7 +3049,7 @@
             <a:fld id="{763C9DB7-BA8E-3248-A482-551635BAD7C2}" type="datetime1">
               <a:rPr lang="en-US" altLang="zh-CN"/>
               <a:pPr/>
-              <a:t>5/13/2019</a:t>
+              <a:t>5/14/2019</a:t>
             </a:fld>
             <a:endParaRPr lang="en-US" altLang="zh-CN"/>
           </a:p>
@@ -3183,7 +3183,7 @@
             <a:fld id="{E076C303-4390-464C-B7E9-6F5306EF3170}" type="datetime1">
               <a:rPr lang="en-US" altLang="zh-CN"/>
               <a:pPr/>
-              <a:t>5/13/2019</a:t>
+              <a:t>5/14/2019</a:t>
             </a:fld>
             <a:endParaRPr lang="en-US" altLang="zh-CN"/>
           </a:p>
@@ -3322,7 +3322,7 @@
             <a:fld id="{5CA8F940-8C0D-5F40-9547-CE421C3644DF}" type="datetime1">
               <a:rPr lang="en-US" altLang="zh-CN" smtClean="0"/>
               <a:pPr/>
-              <a:t>5/13/2019</a:t>
+              <a:t>5/14/2019</a:t>
             </a:fld>
             <a:endParaRPr lang="en-US" altLang="zh-CN"/>
           </a:p>
@@ -3421,14 +3421,14 @@
           </a:ln>
           <a:extLst>
             <a:ext uri="{909E8E84-426E-40dd-AFC4-6F175D3DCCD1}">
-              <a14:hiddenFill xmlns="" xmlns:a14="http://schemas.microsoft.com/office/drawing/2010/main">
+              <a14:hiddenFill xmlns:a14="http://schemas.microsoft.com/office/drawing/2010/main" xmlns="">
                 <a:solidFill>
                   <a:srgbClr val="FFFFFF"/>
                 </a:solidFill>
               </a14:hiddenFill>
             </a:ext>
             <a:ext uri="{91240B29-F687-4f45-9708-019B960494DF}">
-              <a14:hiddenLine xmlns="" xmlns:a14="http://schemas.microsoft.com/office/drawing/2010/main" w="9525">
+              <a14:hiddenLine xmlns:a14="http://schemas.microsoft.com/office/drawing/2010/main" xmlns="" w="9525">
                 <a:solidFill>
                   <a:srgbClr val="000000"/>
                 </a:solidFill>
@@ -3682,14 +3682,14 @@
             </a:ln>
             <a:extLst>
               <a:ext uri="{909E8E84-426E-40dd-AFC4-6F175D3DCCD1}">
-                <a14:hiddenFill xmlns="" xmlns:a14="http://schemas.microsoft.com/office/drawing/2010/main">
+                <a14:hiddenFill xmlns:a14="http://schemas.microsoft.com/office/drawing/2010/main" xmlns="">
                   <a:solidFill>
                     <a:srgbClr val="FFFFFF"/>
                   </a:solidFill>
                 </a14:hiddenFill>
               </a:ext>
               <a:ext uri="{91240B29-F687-4f45-9708-019B960494DF}">
-                <a14:hiddenLine xmlns="" xmlns:a14="http://schemas.microsoft.com/office/drawing/2010/main" w="9525">
+                <a14:hiddenLine xmlns:a14="http://schemas.microsoft.com/office/drawing/2010/main" xmlns="" w="9525">
                   <a:solidFill>
                     <a:srgbClr val="000000"/>
                   </a:solidFill>
@@ -3932,14 +3932,14 @@
           </a:ln>
           <a:extLst>
             <a:ext uri="{909E8E84-426E-40dd-AFC4-6F175D3DCCD1}">
-              <a14:hiddenFill xmlns:a14="http://schemas.microsoft.com/office/drawing/2010/main" xmlns="">
+              <a14:hiddenFill xmlns="" xmlns:a14="http://schemas.microsoft.com/office/drawing/2010/main">
                 <a:solidFill>
                   <a:srgbClr val="FFFFFF"/>
                 </a:solidFill>
               </a14:hiddenFill>
             </a:ext>
             <a:ext uri="{91240B29-F687-4f45-9708-019B960494DF}">
-              <a14:hiddenLine xmlns:a14="http://schemas.microsoft.com/office/drawing/2010/main" xmlns="" w="9525">
+              <a14:hiddenLine xmlns="" xmlns:a14="http://schemas.microsoft.com/office/drawing/2010/main" w="9525">
                 <a:solidFill>
                   <a:srgbClr val="000000"/>
                 </a:solidFill>
@@ -4158,14 +4158,14 @@
             </a:ln>
             <a:extLst>
               <a:ext uri="{909E8E84-426E-40dd-AFC4-6F175D3DCCD1}">
-                <a14:hiddenFill xmlns:a14="http://schemas.microsoft.com/office/drawing/2010/main" xmlns="">
+                <a14:hiddenFill xmlns="" xmlns:a14="http://schemas.microsoft.com/office/drawing/2010/main">
                   <a:solidFill>
                     <a:srgbClr val="FFFFFF"/>
                   </a:solidFill>
                 </a14:hiddenFill>
               </a:ext>
               <a:ext uri="{91240B29-F687-4f45-9708-019B960494DF}">
-                <a14:hiddenLine xmlns:a14="http://schemas.microsoft.com/office/drawing/2010/main" xmlns="" w="9525">
+                <a14:hiddenLine xmlns="" xmlns:a14="http://schemas.microsoft.com/office/drawing/2010/main" w="9525">
                   <a:solidFill>
                     <a:srgbClr val="000000"/>
                   </a:solidFill>
@@ -4522,7 +4522,7 @@
             <a:fld id="{93BCDC2B-E37E-7845-AABF-FC5B18D3CD04}" type="datetime1">
               <a:rPr lang="en-US" altLang="zh-CN" smtClean="0"/>
               <a:pPr/>
-              <a:t>5/13/2019</a:t>
+              <a:t>5/14/2019</a:t>
             </a:fld>
             <a:endParaRPr lang="en-US" altLang="zh-CN"/>
           </a:p>
@@ -4621,14 +4621,14 @@
           </a:ln>
           <a:extLst>
             <a:ext uri="{909E8E84-426E-40dd-AFC4-6F175D3DCCD1}">
-              <a14:hiddenFill xmlns="" xmlns:a14="http://schemas.microsoft.com/office/drawing/2010/main">
+              <a14:hiddenFill xmlns:a14="http://schemas.microsoft.com/office/drawing/2010/main" xmlns="">
                 <a:solidFill>
                   <a:srgbClr val="FFFFFF"/>
                 </a:solidFill>
               </a14:hiddenFill>
             </a:ext>
             <a:ext uri="{91240B29-F687-4f45-9708-019B960494DF}">
-              <a14:hiddenLine xmlns="" xmlns:a14="http://schemas.microsoft.com/office/drawing/2010/main" w="9525">
+              <a14:hiddenLine xmlns:a14="http://schemas.microsoft.com/office/drawing/2010/main" xmlns="" w="9525">
                 <a:solidFill>
                   <a:srgbClr val="000000"/>
                 </a:solidFill>
@@ -4847,14 +4847,14 @@
             </a:ln>
             <a:extLst>
               <a:ext uri="{909E8E84-426E-40dd-AFC4-6F175D3DCCD1}">
-                <a14:hiddenFill xmlns="" xmlns:a14="http://schemas.microsoft.com/office/drawing/2010/main">
+                <a14:hiddenFill xmlns:a14="http://schemas.microsoft.com/office/drawing/2010/main" xmlns="">
                   <a:solidFill>
                     <a:srgbClr val="FFFFFF"/>
                   </a:solidFill>
                 </a14:hiddenFill>
               </a:ext>
               <a:ext uri="{91240B29-F687-4f45-9708-019B960494DF}">
-                <a14:hiddenLine xmlns="" xmlns:a14="http://schemas.microsoft.com/office/drawing/2010/main" w="9525">
+                <a14:hiddenLine xmlns:a14="http://schemas.microsoft.com/office/drawing/2010/main" xmlns="" w="9525">
                   <a:solidFill>
                     <a:srgbClr val="000000"/>
                   </a:solidFill>
@@ -5097,14 +5097,14 @@
           </a:ln>
           <a:extLst>
             <a:ext uri="{909E8E84-426E-40dd-AFC4-6F175D3DCCD1}">
-              <a14:hiddenFill xmlns:a14="http://schemas.microsoft.com/office/drawing/2010/main" xmlns="">
+              <a14:hiddenFill xmlns="" xmlns:a14="http://schemas.microsoft.com/office/drawing/2010/main">
                 <a:solidFill>
                   <a:srgbClr val="FFFFFF"/>
                 </a:solidFill>
               </a14:hiddenFill>
             </a:ext>
             <a:ext uri="{91240B29-F687-4f45-9708-019B960494DF}">
-              <a14:hiddenLine xmlns:a14="http://schemas.microsoft.com/office/drawing/2010/main" xmlns="" w="9525">
+              <a14:hiddenLine xmlns="" xmlns:a14="http://schemas.microsoft.com/office/drawing/2010/main" w="9525">
                 <a:solidFill>
                   <a:srgbClr val="000000"/>
                 </a:solidFill>
@@ -5358,14 +5358,14 @@
             </a:ln>
             <a:extLst>
               <a:ext uri="{909E8E84-426E-40dd-AFC4-6F175D3DCCD1}">
-                <a14:hiddenFill xmlns:a14="http://schemas.microsoft.com/office/drawing/2010/main" xmlns="">
+                <a14:hiddenFill xmlns="" xmlns:a14="http://schemas.microsoft.com/office/drawing/2010/main">
                   <a:solidFill>
                     <a:srgbClr val="FFFFFF"/>
                   </a:solidFill>
                 </a14:hiddenFill>
               </a:ext>
               <a:ext uri="{91240B29-F687-4f45-9708-019B960494DF}">
-                <a14:hiddenLine xmlns:a14="http://schemas.microsoft.com/office/drawing/2010/main" xmlns="" w="9525">
+                <a14:hiddenLine xmlns="" xmlns:a14="http://schemas.microsoft.com/office/drawing/2010/main" w="9525">
                   <a:solidFill>
                     <a:srgbClr val="000000"/>
                   </a:solidFill>
@@ -5592,7 +5592,7 @@
             <a:fld id="{5CA8F940-8C0D-5F40-9547-CE421C3644DF}" type="datetime1">
               <a:rPr lang="en-US" altLang="zh-CN" smtClean="0"/>
               <a:pPr/>
-              <a:t>5/13/2019</a:t>
+              <a:t>5/14/2019</a:t>
             </a:fld>
             <a:endParaRPr lang="en-US" altLang="zh-CN"/>
           </a:p>
@@ -5691,14 +5691,14 @@
           </a:ln>
           <a:extLst>
             <a:ext uri="{909E8E84-426E-40dd-AFC4-6F175D3DCCD1}">
-              <a14:hiddenFill xmlns="" xmlns:a14="http://schemas.microsoft.com/office/drawing/2010/main">
+              <a14:hiddenFill xmlns:a14="http://schemas.microsoft.com/office/drawing/2010/main" xmlns="">
                 <a:solidFill>
                   <a:srgbClr val="FFFFFF"/>
                 </a:solidFill>
               </a14:hiddenFill>
             </a:ext>
             <a:ext uri="{91240B29-F687-4f45-9708-019B960494DF}">
-              <a14:hiddenLine xmlns="" xmlns:a14="http://schemas.microsoft.com/office/drawing/2010/main" w="9525">
+              <a14:hiddenLine xmlns:a14="http://schemas.microsoft.com/office/drawing/2010/main" xmlns="" w="9525">
                 <a:solidFill>
                   <a:srgbClr val="000000"/>
                 </a:solidFill>
@@ -5952,14 +5952,14 @@
             </a:ln>
             <a:extLst>
               <a:ext uri="{909E8E84-426E-40dd-AFC4-6F175D3DCCD1}">
-                <a14:hiddenFill xmlns="" xmlns:a14="http://schemas.microsoft.com/office/drawing/2010/main">
+                <a14:hiddenFill xmlns:a14="http://schemas.microsoft.com/office/drawing/2010/main" xmlns="">
                   <a:solidFill>
                     <a:srgbClr val="FFFFFF"/>
                   </a:solidFill>
                 </a14:hiddenFill>
               </a:ext>
               <a:ext uri="{91240B29-F687-4f45-9708-019B960494DF}">
-                <a14:hiddenLine xmlns="" xmlns:a14="http://schemas.microsoft.com/office/drawing/2010/main" w="9525">
+                <a14:hiddenLine xmlns:a14="http://schemas.microsoft.com/office/drawing/2010/main" xmlns="" w="9525">
                   <a:solidFill>
                     <a:srgbClr val="000000"/>
                   </a:solidFill>
@@ -6202,14 +6202,14 @@
           </a:ln>
           <a:extLst>
             <a:ext uri="{909E8E84-426E-40dd-AFC4-6F175D3DCCD1}">
-              <a14:hiddenFill xmlns:a14="http://schemas.microsoft.com/office/drawing/2010/main" xmlns="">
+              <a14:hiddenFill xmlns="" xmlns:a14="http://schemas.microsoft.com/office/drawing/2010/main">
                 <a:solidFill>
                   <a:srgbClr val="FFFFFF"/>
                 </a:solidFill>
               </a14:hiddenFill>
             </a:ext>
             <a:ext uri="{91240B29-F687-4f45-9708-019B960494DF}">
-              <a14:hiddenLine xmlns:a14="http://schemas.microsoft.com/office/drawing/2010/main" xmlns="" w="9525">
+              <a14:hiddenLine xmlns="" xmlns:a14="http://schemas.microsoft.com/office/drawing/2010/main" w="9525">
                 <a:solidFill>
                   <a:srgbClr val="000000"/>
                 </a:solidFill>
@@ -6593,14 +6593,14 @@
             </a:ln>
             <a:extLst>
               <a:ext uri="{909E8E84-426E-40dd-AFC4-6F175D3DCCD1}">
-                <a14:hiddenFill xmlns:a14="http://schemas.microsoft.com/office/drawing/2010/main" xmlns="">
+                <a14:hiddenFill xmlns="" xmlns:a14="http://schemas.microsoft.com/office/drawing/2010/main">
                   <a:solidFill>
                     <a:srgbClr val="FFFFFF"/>
                   </a:solidFill>
                 </a14:hiddenFill>
               </a:ext>
               <a:ext uri="{91240B29-F687-4f45-9708-019B960494DF}">
-                <a14:hiddenLine xmlns:a14="http://schemas.microsoft.com/office/drawing/2010/main" xmlns="" w="9525">
+                <a14:hiddenLine xmlns="" xmlns:a14="http://schemas.microsoft.com/office/drawing/2010/main" w="9525">
                   <a:solidFill>
                     <a:srgbClr val="000000"/>
                   </a:solidFill>
@@ -6639,7 +6639,7 @@
             <a:fld id="{DD399CBA-90F1-8740-8ACB-6A73FE316139}" type="datetime1">
               <a:rPr lang="en-US" altLang="zh-CN" smtClean="0"/>
               <a:pPr/>
-              <a:t>5/13/2019</a:t>
+              <a:t>5/14/2019</a:t>
             </a:fld>
             <a:endParaRPr lang="en-US" altLang="zh-CN"/>
           </a:p>
@@ -6738,14 +6738,14 @@
           </a:ln>
           <a:extLst>
             <a:ext uri="{909E8E84-426E-40dd-AFC4-6F175D3DCCD1}">
-              <a14:hiddenFill xmlns="" xmlns:a14="http://schemas.microsoft.com/office/drawing/2010/main">
+              <a14:hiddenFill xmlns:a14="http://schemas.microsoft.com/office/drawing/2010/main" xmlns="">
                 <a:solidFill>
                   <a:srgbClr val="FFFFFF"/>
                 </a:solidFill>
               </a14:hiddenFill>
             </a:ext>
             <a:ext uri="{91240B29-F687-4f45-9708-019B960494DF}">
-              <a14:hiddenLine xmlns="" xmlns:a14="http://schemas.microsoft.com/office/drawing/2010/main" w="9525">
+              <a14:hiddenLine xmlns:a14="http://schemas.microsoft.com/office/drawing/2010/main" xmlns="" w="9525">
                 <a:solidFill>
                   <a:srgbClr val="000000"/>
                 </a:solidFill>
@@ -7129,14 +7129,14 @@
             </a:ln>
             <a:extLst>
               <a:ext uri="{909E8E84-426E-40dd-AFC4-6F175D3DCCD1}">
-                <a14:hiddenFill xmlns="" xmlns:a14="http://schemas.microsoft.com/office/drawing/2010/main">
+                <a14:hiddenFill xmlns:a14="http://schemas.microsoft.com/office/drawing/2010/main" xmlns="">
                   <a:solidFill>
                     <a:srgbClr val="FFFFFF"/>
                   </a:solidFill>
                 </a14:hiddenFill>
               </a:ext>
               <a:ext uri="{91240B29-F687-4f45-9708-019B960494DF}">
-                <a14:hiddenLine xmlns="" xmlns:a14="http://schemas.microsoft.com/office/drawing/2010/main" w="9525">
+                <a14:hiddenLine xmlns:a14="http://schemas.microsoft.com/office/drawing/2010/main" xmlns="" w="9525">
                   <a:solidFill>
                     <a:srgbClr val="000000"/>
                   </a:solidFill>
@@ -7214,14 +7214,14 @@
           </a:ln>
           <a:extLst>
             <a:ext uri="{909E8E84-426E-40dd-AFC4-6F175D3DCCD1}">
-              <a14:hiddenFill xmlns="" xmlns:a14="http://schemas.microsoft.com/office/drawing/2010/main">
+              <a14:hiddenFill xmlns:a14="http://schemas.microsoft.com/office/drawing/2010/main" xmlns="">
                 <a:solidFill>
                   <a:srgbClr val="FFFFFF"/>
                 </a:solidFill>
               </a14:hiddenFill>
             </a:ext>
             <a:ext uri="{91240B29-F687-4f45-9708-019B960494DF}">
-              <a14:hiddenLine xmlns="" xmlns:a14="http://schemas.microsoft.com/office/drawing/2010/main" w="9525">
+              <a14:hiddenLine xmlns:a14="http://schemas.microsoft.com/office/drawing/2010/main" xmlns="" w="9525">
                 <a:solidFill>
                   <a:srgbClr val="000000"/>
                 </a:solidFill>
@@ -7440,14 +7440,14 @@
             </a:ln>
             <a:extLst>
               <a:ext uri="{909E8E84-426E-40dd-AFC4-6F175D3DCCD1}">
-                <a14:hiddenFill xmlns="" xmlns:a14="http://schemas.microsoft.com/office/drawing/2010/main">
+                <a14:hiddenFill xmlns:a14="http://schemas.microsoft.com/office/drawing/2010/main" xmlns="">
                   <a:solidFill>
                     <a:srgbClr val="FFFFFF"/>
                   </a:solidFill>
                 </a14:hiddenFill>
               </a:ext>
               <a:ext uri="{91240B29-F687-4f45-9708-019B960494DF}">
-                <a14:hiddenLine xmlns="" xmlns:a14="http://schemas.microsoft.com/office/drawing/2010/main" w="9525">
+                <a14:hiddenLine xmlns:a14="http://schemas.microsoft.com/office/drawing/2010/main" xmlns="" w="9525">
                   <a:solidFill>
                     <a:srgbClr val="000000"/>
                   </a:solidFill>
@@ -7802,7 +7802,7 @@
             <a:fld id="{93BCDC2B-E37E-7845-AABF-FC5B18D3CD04}" type="datetime1">
               <a:rPr lang="en-US" altLang="zh-CN"/>
               <a:pPr/>
-              <a:t>5/13/2019</a:t>
+              <a:t>5/14/2019</a:t>
             </a:fld>
             <a:endParaRPr lang="en-US" altLang="zh-CN"/>
           </a:p>
@@ -7931,14 +7931,14 @@
           </a:ln>
           <a:extLst>
             <a:ext uri="{909E8E84-426E-40dd-AFC4-6F175D3DCCD1}">
-              <a14:hiddenFill xmlns="" xmlns:a14="http://schemas.microsoft.com/office/drawing/2010/main">
+              <a14:hiddenFill xmlns:a14="http://schemas.microsoft.com/office/drawing/2010/main" xmlns="">
                 <a:solidFill>
                   <a:srgbClr val="FFFFFF"/>
                 </a:solidFill>
               </a14:hiddenFill>
             </a:ext>
             <a:ext uri="{91240B29-F687-4f45-9708-019B960494DF}">
-              <a14:hiddenLine xmlns="" xmlns:a14="http://schemas.microsoft.com/office/drawing/2010/main" w="9525">
+              <a14:hiddenLine xmlns:a14="http://schemas.microsoft.com/office/drawing/2010/main" xmlns="" w="9525">
                 <a:solidFill>
                   <a:srgbClr val="000000"/>
                 </a:solidFill>
@@ -8192,14 +8192,14 @@
             </a:ln>
             <a:extLst>
               <a:ext uri="{909E8E84-426E-40dd-AFC4-6F175D3DCCD1}">
-                <a14:hiddenFill xmlns="" xmlns:a14="http://schemas.microsoft.com/office/drawing/2010/main">
+                <a14:hiddenFill xmlns:a14="http://schemas.microsoft.com/office/drawing/2010/main" xmlns="">
                   <a:solidFill>
                     <a:srgbClr val="FFFFFF"/>
                   </a:solidFill>
                 </a14:hiddenFill>
               </a:ext>
               <a:ext uri="{91240B29-F687-4f45-9708-019B960494DF}">
-                <a14:hiddenLine xmlns="" xmlns:a14="http://schemas.microsoft.com/office/drawing/2010/main" w="9525">
+                <a14:hiddenLine xmlns:a14="http://schemas.microsoft.com/office/drawing/2010/main" xmlns="" w="9525">
                   <a:solidFill>
                     <a:srgbClr val="000000"/>
                   </a:solidFill>
@@ -8426,7 +8426,7 @@
             <a:fld id="{5CA8F940-8C0D-5F40-9547-CE421C3644DF}" type="datetime1">
               <a:rPr lang="en-US" altLang="zh-CN"/>
               <a:pPr/>
-              <a:t>5/13/2019</a:t>
+              <a:t>5/14/2019</a:t>
             </a:fld>
             <a:endParaRPr lang="en-US" altLang="zh-CN"/>
           </a:p>
@@ -8555,14 +8555,14 @@
           </a:ln>
           <a:extLst>
             <a:ext uri="{909E8E84-426E-40dd-AFC4-6F175D3DCCD1}">
-              <a14:hiddenFill xmlns="" xmlns:a14="http://schemas.microsoft.com/office/drawing/2010/main">
+              <a14:hiddenFill xmlns:a14="http://schemas.microsoft.com/office/drawing/2010/main" xmlns="">
                 <a:solidFill>
                   <a:srgbClr val="FFFFFF"/>
                 </a:solidFill>
               </a14:hiddenFill>
             </a:ext>
             <a:ext uri="{91240B29-F687-4f45-9708-019B960494DF}">
-              <a14:hiddenLine xmlns="" xmlns:a14="http://schemas.microsoft.com/office/drawing/2010/main" w="9525">
+              <a14:hiddenLine xmlns:a14="http://schemas.microsoft.com/office/drawing/2010/main" xmlns="" w="9525">
                 <a:solidFill>
                   <a:srgbClr val="000000"/>
                 </a:solidFill>
@@ -8946,14 +8946,14 @@
             </a:ln>
             <a:extLst>
               <a:ext uri="{909E8E84-426E-40dd-AFC4-6F175D3DCCD1}">
-                <a14:hiddenFill xmlns="" xmlns:a14="http://schemas.microsoft.com/office/drawing/2010/main">
+                <a14:hiddenFill xmlns:a14="http://schemas.microsoft.com/office/drawing/2010/main" xmlns="">
                   <a:solidFill>
                     <a:srgbClr val="FFFFFF"/>
                   </a:solidFill>
                 </a14:hiddenFill>
               </a:ext>
               <a:ext uri="{91240B29-F687-4f45-9708-019B960494DF}">
-                <a14:hiddenLine xmlns="" xmlns:a14="http://schemas.microsoft.com/office/drawing/2010/main" w="9525">
+                <a14:hiddenLine xmlns:a14="http://schemas.microsoft.com/office/drawing/2010/main" xmlns="" w="9525">
                   <a:solidFill>
                     <a:srgbClr val="000000"/>
                   </a:solidFill>
@@ -8992,7 +8992,7 @@
             <a:fld id="{DD399CBA-90F1-8740-8ACB-6A73FE316139}" type="datetime1">
               <a:rPr lang="en-US" altLang="zh-CN"/>
               <a:pPr/>
-              <a:t>5/13/2019</a:t>
+              <a:t>5/14/2019</a:t>
             </a:fld>
             <a:endParaRPr lang="en-US" altLang="zh-CN"/>
           </a:p>
@@ -9181,7 +9181,7 @@
             <a:fld id="{E65CEB06-13C5-8042-B7D9-86F62FC68B21}" type="datetime1">
               <a:rPr lang="en-US" altLang="zh-CN"/>
               <a:pPr/>
-              <a:t>5/13/2019</a:t>
+              <a:t>5/14/2019</a:t>
             </a:fld>
             <a:endParaRPr lang="en-US" altLang="zh-CN"/>
           </a:p>
@@ -9438,7 +9438,7 @@
             <a:fld id="{2C31E0B7-D99D-9840-9AA4-AFE996601F1A}" type="datetime1">
               <a:rPr lang="en-US" altLang="zh-CN"/>
               <a:pPr/>
-              <a:t>5/13/2019</a:t>
+              <a:t>5/14/2019</a:t>
             </a:fld>
             <a:endParaRPr lang="en-US" altLang="zh-CN"/>
           </a:p>
@@ -9623,7 +9623,7 @@
             <a:fld id="{E65CEB06-13C5-8042-B7D9-86F62FC68B21}" type="datetime1">
               <a:rPr lang="en-US" altLang="zh-CN"/>
               <a:pPr/>
-              <a:t>5/13/2019</a:t>
+              <a:t>5/14/2019</a:t>
             </a:fld>
             <a:endParaRPr lang="en-US" altLang="zh-CN"/>
           </a:p>
@@ -9885,7 +9885,7 @@
             <a:fld id="{385F2447-58C6-0F4D-AFAC-D240FBEAC3D4}" type="datetime1">
               <a:rPr lang="en-US" altLang="zh-CN"/>
               <a:pPr/>
-              <a:t>5/13/2019</a:t>
+              <a:t>5/14/2019</a:t>
             </a:fld>
             <a:endParaRPr lang="en-US" altLang="zh-CN"/>
           </a:p>
@@ -10187,7 +10187,7 @@
             <a:fld id="{E90B6505-6397-EF47-ACB9-9C7F9DC228F7}" type="datetime1">
               <a:rPr lang="en-US" altLang="zh-CN"/>
               <a:pPr/>
-              <a:t>5/13/2019</a:t>
+              <a:t>5/14/2019</a:t>
             </a:fld>
             <a:endParaRPr lang="en-US" altLang="zh-CN"/>
           </a:p>
@@ -10623,7 +10623,7 @@
             <a:fld id="{7DA9DDF0-8E9D-F747-A826-0A16262FD38B}" type="datetime1">
               <a:rPr lang="en-US" altLang="zh-CN"/>
               <a:pPr/>
-              <a:t>5/13/2019</a:t>
+              <a:t>5/14/2019</a:t>
             </a:fld>
             <a:endParaRPr lang="en-US" altLang="zh-CN"/>
           </a:p>
@@ -10757,7 +10757,7 @@
             <a:fld id="{3C451A12-666D-2B4A-9912-EC4A679D5D15}" type="datetime1">
               <a:rPr lang="en-US" altLang="zh-CN"/>
               <a:pPr/>
-              <a:t>5/13/2019</a:t>
+              <a:t>5/14/2019</a:t>
             </a:fld>
             <a:endParaRPr lang="en-US" altLang="zh-CN"/>
           </a:p>
@@ -10869,7 +10869,7 @@
             <a:fld id="{E38B5506-74D3-1544-BC99-3AF1A8C1C66D}" type="datetime1">
               <a:rPr lang="en-US" altLang="zh-CN"/>
               <a:pPr/>
-              <a:t>5/13/2019</a:t>
+              <a:t>5/14/2019</a:t>
             </a:fld>
             <a:endParaRPr lang="en-US" altLang="zh-CN"/>
           </a:p>
@@ -11161,7 +11161,7 @@
             <a:fld id="{E54C1426-CCF5-AF49-BEFF-95069A0371A2}" type="datetime1">
               <a:rPr lang="en-US" altLang="zh-CN"/>
               <a:pPr/>
-              <a:t>5/13/2019</a:t>
+              <a:t>5/14/2019</a:t>
             </a:fld>
             <a:endParaRPr lang="en-US" altLang="zh-CN"/>
           </a:p>
@@ -11436,7 +11436,7 @@
             <a:fld id="{F5DD3FC9-CD0F-8D4D-89C4-5B675B0D57BB}" type="datetime1">
               <a:rPr lang="en-US" altLang="zh-CN"/>
               <a:pPr/>
-              <a:t>5/13/2019</a:t>
+              <a:t>5/14/2019</a:t>
             </a:fld>
             <a:endParaRPr lang="en-US" altLang="zh-CN"/>
           </a:p>
@@ -11621,7 +11621,7 @@
             <a:fld id="{8CD81206-CB00-054A-A73E-85C388CF01BA}" type="datetime1">
               <a:rPr lang="en-US" altLang="zh-CN"/>
               <a:pPr/>
-              <a:t>5/13/2019</a:t>
+              <a:t>5/14/2019</a:t>
             </a:fld>
             <a:endParaRPr lang="en-US" altLang="zh-CN"/>
           </a:p>
@@ -11883,7 +11883,7 @@
             <a:fld id="{385F2447-58C6-0F4D-AFAC-D240FBEAC3D4}" type="datetime1">
               <a:rPr lang="en-US" altLang="zh-CN"/>
               <a:pPr/>
-              <a:t>5/13/2019</a:t>
+              <a:t>5/14/2019</a:t>
             </a:fld>
             <a:endParaRPr lang="en-US" altLang="zh-CN"/>
           </a:p>
@@ -12078,7 +12078,7 @@
             <a:fld id="{763C9DB7-BA8E-3248-A482-551635BAD7C2}" type="datetime1">
               <a:rPr lang="en-US" altLang="zh-CN"/>
               <a:pPr/>
-              <a:t>5/13/2019</a:t>
+              <a:t>5/14/2019</a:t>
             </a:fld>
             <a:endParaRPr lang="en-US" altLang="zh-CN"/>
           </a:p>
@@ -12212,7 +12212,7 @@
             <a:fld id="{E076C303-4390-464C-B7E9-6F5306EF3170}" type="datetime1">
               <a:rPr lang="en-US" altLang="zh-CN"/>
               <a:pPr/>
-              <a:t>5/13/2019</a:t>
+              <a:t>5/14/2019</a:t>
             </a:fld>
             <a:endParaRPr lang="en-US" altLang="zh-CN"/>
           </a:p>
@@ -12514,7 +12514,7 @@
             <a:fld id="{E90B6505-6397-EF47-ACB9-9C7F9DC228F7}" type="datetime1">
               <a:rPr lang="en-US" altLang="zh-CN"/>
               <a:pPr/>
-              <a:t>5/13/2019</a:t>
+              <a:t>5/14/2019</a:t>
             </a:fld>
             <a:endParaRPr lang="en-US" altLang="zh-CN"/>
           </a:p>
@@ -12950,7 +12950,7 @@
             <a:fld id="{7DA9DDF0-8E9D-F747-A826-0A16262FD38B}" type="datetime1">
               <a:rPr lang="en-US" altLang="zh-CN"/>
               <a:pPr/>
-              <a:t>5/13/2019</a:t>
+              <a:t>5/14/2019</a:t>
             </a:fld>
             <a:endParaRPr lang="en-US" altLang="zh-CN"/>
           </a:p>
@@ -13084,7 +13084,7 @@
             <a:fld id="{3C451A12-666D-2B4A-9912-EC4A679D5D15}" type="datetime1">
               <a:rPr lang="en-US" altLang="zh-CN"/>
               <a:pPr/>
-              <a:t>5/13/2019</a:t>
+              <a:t>5/14/2019</a:t>
             </a:fld>
             <a:endParaRPr lang="en-US" altLang="zh-CN"/>
           </a:p>
@@ -13196,7 +13196,7 @@
             <a:fld id="{E38B5506-74D3-1544-BC99-3AF1A8C1C66D}" type="datetime1">
               <a:rPr lang="en-US" altLang="zh-CN"/>
               <a:pPr/>
-              <a:t>5/13/2019</a:t>
+              <a:t>5/14/2019</a:t>
             </a:fld>
             <a:endParaRPr lang="en-US" altLang="zh-CN"/>
           </a:p>
@@ -13488,7 +13488,7 @@
             <a:fld id="{E54C1426-CCF5-AF49-BEFF-95069A0371A2}" type="datetime1">
               <a:rPr lang="en-US" altLang="zh-CN"/>
               <a:pPr/>
-              <a:t>5/13/2019</a:t>
+              <a:t>5/14/2019</a:t>
             </a:fld>
             <a:endParaRPr lang="en-US" altLang="zh-CN"/>
           </a:p>
@@ -13760,7 +13760,7 @@
             <a:fld id="{F5DD3FC9-CD0F-8D4D-89C4-5B675B0D57BB}" type="datetime1">
               <a:rPr lang="en-US" altLang="zh-CN"/>
               <a:pPr/>
-              <a:t>5/13/2019</a:t>
+              <a:t>5/14/2019</a:t>
             </a:fld>
             <a:endParaRPr lang="en-US" altLang="zh-CN"/>
           </a:p>
@@ -13882,17 +13882,17 @@
           </a:ln>
           <a:extLst>
             <a:ext uri="{FAA26D3D-D897-4be2-8F04-BA451C77F1D7}">
-              <ma14:placeholderFlag xmlns="" xmlns:ma14="http://schemas.microsoft.com/office/mac/drawingml/2011/main" val="1"/>
+              <ma14:placeholderFlag xmlns:ma14="http://schemas.microsoft.com/office/mac/drawingml/2011/main" xmlns="" val="1"/>
             </a:ext>
             <a:ext uri="{909E8E84-426E-40dd-AFC4-6F175D3DCCD1}">
-              <a14:hiddenFill xmlns="" xmlns:a14="http://schemas.microsoft.com/office/drawing/2010/main">
+              <a14:hiddenFill xmlns:a14="http://schemas.microsoft.com/office/drawing/2010/main" xmlns="">
                 <a:solidFill>
                   <a:srgbClr val="FFFFFF"/>
                 </a:solidFill>
               </a14:hiddenFill>
             </a:ext>
             <a:ext uri="{91240B29-F687-4f45-9708-019B960494DF}">
-              <a14:hiddenLine xmlns="" xmlns:a14="http://schemas.microsoft.com/office/drawing/2010/main" w="9525">
+              <a14:hiddenLine xmlns:a14="http://schemas.microsoft.com/office/drawing/2010/main" xmlns="" w="9525">
                 <a:solidFill>
                   <a:srgbClr val="000000"/>
                 </a:solidFill>
@@ -13943,17 +13943,17 @@
           </a:ln>
           <a:extLst>
             <a:ext uri="{FAA26D3D-D897-4be2-8F04-BA451C77F1D7}">
-              <ma14:placeholderFlag xmlns="" xmlns:ma14="http://schemas.microsoft.com/office/mac/drawingml/2011/main" val="1"/>
+              <ma14:placeholderFlag xmlns:ma14="http://schemas.microsoft.com/office/mac/drawingml/2011/main" xmlns="" val="1"/>
             </a:ext>
             <a:ext uri="{909E8E84-426E-40dd-AFC4-6F175D3DCCD1}">
-              <a14:hiddenFill xmlns="" xmlns:a14="http://schemas.microsoft.com/office/drawing/2010/main">
+              <a14:hiddenFill xmlns:a14="http://schemas.microsoft.com/office/drawing/2010/main" xmlns="">
                 <a:solidFill>
                   <a:srgbClr val="FFFFFF"/>
                 </a:solidFill>
               </a14:hiddenFill>
             </a:ext>
             <a:ext uri="{91240B29-F687-4f45-9708-019B960494DF}">
-              <a14:hiddenLine xmlns="" xmlns:a14="http://schemas.microsoft.com/office/drawing/2010/main" w="9525">
+              <a14:hiddenLine xmlns:a14="http://schemas.microsoft.com/office/drawing/2010/main" xmlns="" w="9525">
                 <a:solidFill>
                   <a:srgbClr val="000000"/>
                 </a:solidFill>
@@ -14047,7 +14047,7 @@
             <a:fld id="{DF89C5E0-80CB-C842-991E-0650A17D1E84}" type="datetime1">
               <a:rPr lang="en-US" altLang="zh-CN"/>
               <a:pPr/>
-              <a:t>5/13/2019</a:t>
+              <a:t>5/14/2019</a:t>
             </a:fld>
             <a:endParaRPr lang="en-US" altLang="zh-CN"/>
           </a:p>
@@ -14600,17 +14600,17 @@
           </a:ln>
           <a:extLst>
             <a:ext uri="{FAA26D3D-D897-4be2-8F04-BA451C77F1D7}">
-              <ma14:placeholderFlag xmlns:ma14="http://schemas.microsoft.com/office/mac/drawingml/2011/main" xmlns="" val="1"/>
+              <ma14:placeholderFlag xmlns="" xmlns:ma14="http://schemas.microsoft.com/office/mac/drawingml/2011/main" val="1"/>
             </a:ext>
             <a:ext uri="{909E8E84-426E-40dd-AFC4-6F175D3DCCD1}">
-              <a14:hiddenFill xmlns:a14="http://schemas.microsoft.com/office/drawing/2010/main" xmlns="">
+              <a14:hiddenFill xmlns="" xmlns:a14="http://schemas.microsoft.com/office/drawing/2010/main">
                 <a:solidFill>
                   <a:srgbClr val="FFFFFF"/>
                 </a:solidFill>
               </a14:hiddenFill>
             </a:ext>
             <a:ext uri="{91240B29-F687-4f45-9708-019B960494DF}">
-              <a14:hiddenLine xmlns:a14="http://schemas.microsoft.com/office/drawing/2010/main" xmlns="" w="9525">
+              <a14:hiddenLine xmlns="" xmlns:a14="http://schemas.microsoft.com/office/drawing/2010/main" w="9525">
                 <a:solidFill>
                   <a:srgbClr val="000000"/>
                 </a:solidFill>
@@ -14661,17 +14661,17 @@
           </a:ln>
           <a:extLst>
             <a:ext uri="{FAA26D3D-D897-4be2-8F04-BA451C77F1D7}">
-              <ma14:placeholderFlag xmlns:ma14="http://schemas.microsoft.com/office/mac/drawingml/2011/main" xmlns="" val="1"/>
+              <ma14:placeholderFlag xmlns="" xmlns:ma14="http://schemas.microsoft.com/office/mac/drawingml/2011/main" val="1"/>
             </a:ext>
             <a:ext uri="{909E8E84-426E-40dd-AFC4-6F175D3DCCD1}">
-              <a14:hiddenFill xmlns:a14="http://schemas.microsoft.com/office/drawing/2010/main" xmlns="">
+              <a14:hiddenFill xmlns="" xmlns:a14="http://schemas.microsoft.com/office/drawing/2010/main">
                 <a:solidFill>
                   <a:srgbClr val="FFFFFF"/>
                 </a:solidFill>
               </a14:hiddenFill>
             </a:ext>
             <a:ext uri="{91240B29-F687-4f45-9708-019B960494DF}">
-              <a14:hiddenLine xmlns:a14="http://schemas.microsoft.com/office/drawing/2010/main" xmlns="" w="9525">
+              <a14:hiddenLine xmlns="" xmlns:a14="http://schemas.microsoft.com/office/drawing/2010/main" w="9525">
                 <a:solidFill>
                   <a:srgbClr val="000000"/>
                 </a:solidFill>
@@ -14764,7 +14764,7 @@
             <a:fld id="{A47398D4-8B5A-BE43-B588-3D17D5B3482C}" type="datetime1">
               <a:rPr lang="en-US" altLang="zh-CN" smtClean="0"/>
               <a:pPr/>
-              <a:t>5/13/2019</a:t>
+              <a:t>5/14/2019</a:t>
             </a:fld>
             <a:endParaRPr lang="en-US" altLang="zh-CN"/>
           </a:p>
@@ -15313,17 +15313,17 @@
           </a:ln>
           <a:extLst>
             <a:ext uri="{FAA26D3D-D897-4be2-8F04-BA451C77F1D7}">
-              <ma14:placeholderFlag xmlns:ma14="http://schemas.microsoft.com/office/mac/drawingml/2011/main" xmlns="" val="1"/>
+              <ma14:placeholderFlag xmlns="" xmlns:ma14="http://schemas.microsoft.com/office/mac/drawingml/2011/main" val="1"/>
             </a:ext>
             <a:ext uri="{909E8E84-426E-40dd-AFC4-6F175D3DCCD1}">
-              <a14:hiddenFill xmlns:a14="http://schemas.microsoft.com/office/drawing/2010/main" xmlns="">
+              <a14:hiddenFill xmlns="" xmlns:a14="http://schemas.microsoft.com/office/drawing/2010/main">
                 <a:solidFill>
                   <a:srgbClr val="FFFFFF"/>
                 </a:solidFill>
               </a14:hiddenFill>
             </a:ext>
             <a:ext uri="{91240B29-F687-4f45-9708-019B960494DF}">
-              <a14:hiddenLine xmlns:a14="http://schemas.microsoft.com/office/drawing/2010/main" xmlns="" w="9525">
+              <a14:hiddenLine xmlns="" xmlns:a14="http://schemas.microsoft.com/office/drawing/2010/main" w="9525">
                 <a:solidFill>
                   <a:srgbClr val="000000"/>
                 </a:solidFill>
@@ -15374,17 +15374,17 @@
           </a:ln>
           <a:extLst>
             <a:ext uri="{FAA26D3D-D897-4be2-8F04-BA451C77F1D7}">
-              <ma14:placeholderFlag xmlns:ma14="http://schemas.microsoft.com/office/mac/drawingml/2011/main" xmlns="" val="1"/>
+              <ma14:placeholderFlag xmlns="" xmlns:ma14="http://schemas.microsoft.com/office/mac/drawingml/2011/main" val="1"/>
             </a:ext>
             <a:ext uri="{909E8E84-426E-40dd-AFC4-6F175D3DCCD1}">
-              <a14:hiddenFill xmlns:a14="http://schemas.microsoft.com/office/drawing/2010/main" xmlns="">
+              <a14:hiddenFill xmlns="" xmlns:a14="http://schemas.microsoft.com/office/drawing/2010/main">
                 <a:solidFill>
                   <a:srgbClr val="FFFFFF"/>
                 </a:solidFill>
               </a14:hiddenFill>
             </a:ext>
             <a:ext uri="{91240B29-F687-4f45-9708-019B960494DF}">
-              <a14:hiddenLine xmlns:a14="http://schemas.microsoft.com/office/drawing/2010/main" xmlns="" w="9525">
+              <a14:hiddenLine xmlns="" xmlns:a14="http://schemas.microsoft.com/office/drawing/2010/main" w="9525">
                 <a:solidFill>
                   <a:srgbClr val="000000"/>
                 </a:solidFill>
@@ -15478,7 +15478,7 @@
             <a:fld id="{DF89C5E0-80CB-C842-991E-0650A17D1E84}" type="datetime1">
               <a:rPr lang="en-US" altLang="zh-CN"/>
               <a:pPr/>
-              <a:t>5/13/2019</a:t>
+              <a:t>5/14/2019</a:t>
             </a:fld>
             <a:endParaRPr lang="en-US" altLang="zh-CN"/>
           </a:p>
@@ -16047,14 +16047,14 @@
           </a:ln>
           <a:extLst>
             <a:ext uri="{909E8E84-426E-40dd-AFC4-6F175D3DCCD1}">
-              <a14:hiddenFill xmlns:a14="http://schemas.microsoft.com/office/drawing/2010/main" xmlns="">
+              <a14:hiddenFill xmlns="" xmlns:a14="http://schemas.microsoft.com/office/drawing/2010/main">
                 <a:solidFill>
                   <a:srgbClr val="FFFFFF"/>
                 </a:solidFill>
               </a14:hiddenFill>
             </a:ext>
             <a:ext uri="{91240B29-F687-4f45-9708-019B960494DF}">
-              <a14:hiddenLine xmlns:a14="http://schemas.microsoft.com/office/drawing/2010/main" xmlns="" w="9525">
+              <a14:hiddenLine xmlns="" xmlns:a14="http://schemas.microsoft.com/office/drawing/2010/main" w="9525">
                 <a:solidFill>
                   <a:srgbClr val="000000"/>
                 </a:solidFill>
@@ -16190,14 +16190,14 @@
           </a:ln>
           <a:extLst>
             <a:ext uri="{909E8E84-426E-40dd-AFC4-6F175D3DCCD1}">
-              <a14:hiddenFill xmlns:a14="http://schemas.microsoft.com/office/drawing/2010/main" xmlns="">
+              <a14:hiddenFill xmlns="" xmlns:a14="http://schemas.microsoft.com/office/drawing/2010/main">
                 <a:solidFill>
                   <a:srgbClr val="FFFFFF"/>
                 </a:solidFill>
               </a14:hiddenFill>
             </a:ext>
             <a:ext uri="{91240B29-F687-4f45-9708-019B960494DF}">
-              <a14:hiddenLine xmlns:a14="http://schemas.microsoft.com/office/drawing/2010/main" xmlns="" w="9525">
+              <a14:hiddenLine xmlns="" xmlns:a14="http://schemas.microsoft.com/office/drawing/2010/main" w="9525">
                 <a:solidFill>
                   <a:srgbClr val="000000"/>
                 </a:solidFill>
@@ -18613,7 +18613,7 @@
         <p:spPr>
           <a:xfrm>
             <a:off x="73637" y="1196751"/>
-            <a:ext cx="4066315" cy="3693319"/>
+            <a:ext cx="4066315" cy="2585323"/>
           </a:xfrm>
           <a:prstGeom prst="rect">
             <a:avLst/>
@@ -18730,42 +18730,6 @@
               </a:rPr>
               <a:t>Used for connectivity/netlist</a:t>
             </a:r>
-          </a:p>
-          <a:p>
-            <a:pPr marL="285750" indent="-285750">
-              <a:buFont typeface="Arial" panose="020B0604020202020204" pitchFamily="34" charset="0"/>
-              <a:buChar char="•"/>
-            </a:pPr>
-            <a:endParaRPr lang="en-CA" b="1" dirty="0">
-              <a:solidFill>
-                <a:srgbClr val="17375E"/>
-              </a:solidFill>
-            </a:endParaRPr>
-          </a:p>
-          <a:p>
-            <a:pPr marL="285750" indent="-285750">
-              <a:buFont typeface="Arial" panose="020B0604020202020204" pitchFamily="34" charset="0"/>
-              <a:buChar char="•"/>
-            </a:pPr>
-            <a:endParaRPr lang="en-CA" b="1" dirty="0">
-              <a:solidFill>
-                <a:srgbClr val="17375E"/>
-              </a:solidFill>
-            </a:endParaRPr>
-          </a:p>
-          <a:p>
-            <a:endParaRPr lang="en-CA" b="1" dirty="0">
-              <a:solidFill>
-                <a:srgbClr val="17375E"/>
-              </a:solidFill>
-            </a:endParaRPr>
-          </a:p>
-          <a:p>
-            <a:endParaRPr lang="en-CA" b="1" dirty="0">
-              <a:solidFill>
-                <a:srgbClr val="17375E"/>
-              </a:solidFill>
-            </a:endParaRPr>
           </a:p>
         </p:txBody>
       </p:sp>
@@ -18823,10 +18787,10 @@
       </p:sp>
       <p:pic>
         <p:nvPicPr>
-          <p:cNvPr id="2" name="Picture 1">
+          <p:cNvPr id="3" name="Picture 2">
             <a:extLst>
               <a:ext uri="{FF2B5EF4-FFF2-40B4-BE49-F238E27FC236}">
-                <a16:creationId xmlns:a16="http://schemas.microsoft.com/office/drawing/2014/main" id="{6A164EEE-BAF0-4528-86F3-E37C6A941F97}"/>
+                <a16:creationId xmlns:a16="http://schemas.microsoft.com/office/drawing/2014/main" id="{052C8C59-008C-423D-9441-F28BE07FEE7E}"/>
               </a:ext>
             </a:extLst>
           </p:cNvPr>
@@ -18843,8 +18807,8 @@
         </p:blipFill>
         <p:spPr>
           <a:xfrm>
-            <a:off x="70555" y="4768850"/>
-            <a:ext cx="6248400" cy="1181100"/>
+            <a:off x="3959424" y="1241518"/>
+            <a:ext cx="5184576" cy="2422996"/>
           </a:xfrm>
           <a:prstGeom prst="rect">
             <a:avLst/>
@@ -18853,10 +18817,10 @@
       </p:pic>
       <p:pic>
         <p:nvPicPr>
-          <p:cNvPr id="3" name="Picture 2">
+          <p:cNvPr id="5" name="Picture 4">
             <a:extLst>
               <a:ext uri="{FF2B5EF4-FFF2-40B4-BE49-F238E27FC236}">
-                <a16:creationId xmlns:a16="http://schemas.microsoft.com/office/drawing/2014/main" id="{052C8C59-008C-423D-9441-F28BE07FEE7E}"/>
+                <a16:creationId xmlns:a16="http://schemas.microsoft.com/office/drawing/2014/main" id="{D941D272-0B77-40CE-A8BE-E61CD8A90AEC}"/>
               </a:ext>
             </a:extLst>
           </p:cNvPr>
@@ -18873,8 +18837,8 @@
         </p:blipFill>
         <p:spPr>
           <a:xfrm>
-            <a:off x="3992417" y="1276698"/>
-            <a:ext cx="5184576" cy="2422996"/>
+            <a:off x="4710108" y="2780211"/>
+            <a:ext cx="3406536" cy="3274304"/>
           </a:xfrm>
           <a:prstGeom prst="rect">
             <a:avLst/>

--- a/Developers/Scripting_guide/KLayout_PCell.pptx
+++ b/Developers/Scripting_guide/KLayout_PCell.pptx
@@ -863,10 +863,10 @@
           </a:ln>
           <a:extLst>
             <a:ext uri="{FAA26D3D-D897-4be2-8F04-BA451C77F1D7}">
-              <ma14:placeholderFlag xmlns:ma14="http://schemas.microsoft.com/office/mac/drawingml/2011/main" xmlns="" val="1"/>
+              <ma14:placeholderFlag xmlns="" xmlns:ma14="http://schemas.microsoft.com/office/mac/drawingml/2011/main" val="1"/>
             </a:ext>
             <a:ext uri="{909E8E84-426E-40dd-AFC4-6F175D3DCCD1}">
-              <a14:hiddenFill xmlns="" xmlns:a14="http://schemas.microsoft.com/office/drawing/2010/main">
+              <a14:hiddenFill xmlns:a14="http://schemas.microsoft.com/office/drawing/2010/main" xmlns="">
                 <a:solidFill>
                   <a:srgbClr val="FFFFFF"/>
                 </a:solidFill>
@@ -889,17 +889,17 @@
           <a:noFill/>
           <a:extLst>
             <a:ext uri="{FAA26D3D-D897-4be2-8F04-BA451C77F1D7}">
-              <ma14:placeholderFlag xmlns:ma14="http://schemas.microsoft.com/office/mac/drawingml/2011/main" xmlns="" val="1"/>
+              <ma14:placeholderFlag xmlns="" xmlns:ma14="http://schemas.microsoft.com/office/mac/drawingml/2011/main" val="1"/>
             </a:ext>
             <a:ext uri="{909E8E84-426E-40dd-AFC4-6F175D3DCCD1}">
-              <a14:hiddenFill xmlns="" xmlns:a14="http://schemas.microsoft.com/office/drawing/2010/main">
+              <a14:hiddenFill xmlns:a14="http://schemas.microsoft.com/office/drawing/2010/main" xmlns="">
                 <a:solidFill>
                   <a:srgbClr val="FFFFFF"/>
                 </a:solidFill>
               </a14:hiddenFill>
             </a:ext>
             <a:ext uri="{91240B29-F687-4f45-9708-019B960494DF}">
-              <a14:hiddenLine xmlns="" xmlns:a14="http://schemas.microsoft.com/office/drawing/2010/main" w="9525">
+              <a14:hiddenLine xmlns:a14="http://schemas.microsoft.com/office/drawing/2010/main" xmlns="" w="9525">
                 <a:solidFill>
                   <a:srgbClr val="000000"/>
                 </a:solidFill>
@@ -939,14 +939,14 @@
           <a:noFill/>
           <a:extLst>
             <a:ext uri="{909E8E84-426E-40dd-AFC4-6F175D3DCCD1}">
-              <a14:hiddenFill xmlns="" xmlns:a14="http://schemas.microsoft.com/office/drawing/2010/main">
+              <a14:hiddenFill xmlns:a14="http://schemas.microsoft.com/office/drawing/2010/main" xmlns="">
                 <a:solidFill>
                   <a:srgbClr val="FFFFFF"/>
                 </a:solidFill>
               </a14:hiddenFill>
             </a:ext>
             <a:ext uri="{91240B29-F687-4f45-9708-019B960494DF}">
-              <a14:hiddenLine xmlns="" xmlns:a14="http://schemas.microsoft.com/office/drawing/2010/main" w="9525">
+              <a14:hiddenLine xmlns:a14="http://schemas.microsoft.com/office/drawing/2010/main" xmlns="" w="9525">
                 <a:solidFill>
                   <a:srgbClr val="000000"/>
                 </a:solidFill>
@@ -3421,14 +3421,14 @@
           </a:ln>
           <a:extLst>
             <a:ext uri="{909E8E84-426E-40dd-AFC4-6F175D3DCCD1}">
-              <a14:hiddenFill xmlns:a14="http://schemas.microsoft.com/office/drawing/2010/main" xmlns="">
+              <a14:hiddenFill xmlns="" xmlns:a14="http://schemas.microsoft.com/office/drawing/2010/main">
                 <a:solidFill>
                   <a:srgbClr val="FFFFFF"/>
                 </a:solidFill>
               </a14:hiddenFill>
             </a:ext>
             <a:ext uri="{91240B29-F687-4f45-9708-019B960494DF}">
-              <a14:hiddenLine xmlns:a14="http://schemas.microsoft.com/office/drawing/2010/main" xmlns="" w="9525">
+              <a14:hiddenLine xmlns="" xmlns:a14="http://schemas.microsoft.com/office/drawing/2010/main" w="9525">
                 <a:solidFill>
                   <a:srgbClr val="000000"/>
                 </a:solidFill>
@@ -3682,14 +3682,14 @@
             </a:ln>
             <a:extLst>
               <a:ext uri="{909E8E84-426E-40dd-AFC4-6F175D3DCCD1}">
-                <a14:hiddenFill xmlns:a14="http://schemas.microsoft.com/office/drawing/2010/main" xmlns="">
+                <a14:hiddenFill xmlns="" xmlns:a14="http://schemas.microsoft.com/office/drawing/2010/main">
                   <a:solidFill>
                     <a:srgbClr val="FFFFFF"/>
                   </a:solidFill>
                 </a14:hiddenFill>
               </a:ext>
               <a:ext uri="{91240B29-F687-4f45-9708-019B960494DF}">
-                <a14:hiddenLine xmlns:a14="http://schemas.microsoft.com/office/drawing/2010/main" xmlns="" w="9525">
+                <a14:hiddenLine xmlns="" xmlns:a14="http://schemas.microsoft.com/office/drawing/2010/main" w="9525">
                   <a:solidFill>
                     <a:srgbClr val="000000"/>
                   </a:solidFill>
@@ -3932,14 +3932,14 @@
           </a:ln>
           <a:extLst>
             <a:ext uri="{909E8E84-426E-40dd-AFC4-6F175D3DCCD1}">
-              <a14:hiddenFill xmlns="" xmlns:a14="http://schemas.microsoft.com/office/drawing/2010/main">
+              <a14:hiddenFill xmlns:a14="http://schemas.microsoft.com/office/drawing/2010/main" xmlns="">
                 <a:solidFill>
                   <a:srgbClr val="FFFFFF"/>
                 </a:solidFill>
               </a14:hiddenFill>
             </a:ext>
             <a:ext uri="{91240B29-F687-4f45-9708-019B960494DF}">
-              <a14:hiddenLine xmlns="" xmlns:a14="http://schemas.microsoft.com/office/drawing/2010/main" w="9525">
+              <a14:hiddenLine xmlns:a14="http://schemas.microsoft.com/office/drawing/2010/main" xmlns="" w="9525">
                 <a:solidFill>
                   <a:srgbClr val="000000"/>
                 </a:solidFill>
@@ -4158,14 +4158,14 @@
             </a:ln>
             <a:extLst>
               <a:ext uri="{909E8E84-426E-40dd-AFC4-6F175D3DCCD1}">
-                <a14:hiddenFill xmlns="" xmlns:a14="http://schemas.microsoft.com/office/drawing/2010/main">
+                <a14:hiddenFill xmlns:a14="http://schemas.microsoft.com/office/drawing/2010/main" xmlns="">
                   <a:solidFill>
                     <a:srgbClr val="FFFFFF"/>
                   </a:solidFill>
                 </a14:hiddenFill>
               </a:ext>
               <a:ext uri="{91240B29-F687-4f45-9708-019B960494DF}">
-                <a14:hiddenLine xmlns="" xmlns:a14="http://schemas.microsoft.com/office/drawing/2010/main" w="9525">
+                <a14:hiddenLine xmlns:a14="http://schemas.microsoft.com/office/drawing/2010/main" xmlns="" w="9525">
                   <a:solidFill>
                     <a:srgbClr val="000000"/>
                   </a:solidFill>
@@ -4621,14 +4621,14 @@
           </a:ln>
           <a:extLst>
             <a:ext uri="{909E8E84-426E-40dd-AFC4-6F175D3DCCD1}">
-              <a14:hiddenFill xmlns:a14="http://schemas.microsoft.com/office/drawing/2010/main" xmlns="">
+              <a14:hiddenFill xmlns="" xmlns:a14="http://schemas.microsoft.com/office/drawing/2010/main">
                 <a:solidFill>
                   <a:srgbClr val="FFFFFF"/>
                 </a:solidFill>
               </a14:hiddenFill>
             </a:ext>
             <a:ext uri="{91240B29-F687-4f45-9708-019B960494DF}">
-              <a14:hiddenLine xmlns:a14="http://schemas.microsoft.com/office/drawing/2010/main" xmlns="" w="9525">
+              <a14:hiddenLine xmlns="" xmlns:a14="http://schemas.microsoft.com/office/drawing/2010/main" w="9525">
                 <a:solidFill>
                   <a:srgbClr val="000000"/>
                 </a:solidFill>
@@ -4847,14 +4847,14 @@
             </a:ln>
             <a:extLst>
               <a:ext uri="{909E8E84-426E-40dd-AFC4-6F175D3DCCD1}">
-                <a14:hiddenFill xmlns:a14="http://schemas.microsoft.com/office/drawing/2010/main" xmlns="">
+                <a14:hiddenFill xmlns="" xmlns:a14="http://schemas.microsoft.com/office/drawing/2010/main">
                   <a:solidFill>
                     <a:srgbClr val="FFFFFF"/>
                   </a:solidFill>
                 </a14:hiddenFill>
               </a:ext>
               <a:ext uri="{91240B29-F687-4f45-9708-019B960494DF}">
-                <a14:hiddenLine xmlns:a14="http://schemas.microsoft.com/office/drawing/2010/main" xmlns="" w="9525">
+                <a14:hiddenLine xmlns="" xmlns:a14="http://schemas.microsoft.com/office/drawing/2010/main" w="9525">
                   <a:solidFill>
                     <a:srgbClr val="000000"/>
                   </a:solidFill>
@@ -5097,14 +5097,14 @@
           </a:ln>
           <a:extLst>
             <a:ext uri="{909E8E84-426E-40dd-AFC4-6F175D3DCCD1}">
-              <a14:hiddenFill xmlns="" xmlns:a14="http://schemas.microsoft.com/office/drawing/2010/main">
+              <a14:hiddenFill xmlns:a14="http://schemas.microsoft.com/office/drawing/2010/main" xmlns="">
                 <a:solidFill>
                   <a:srgbClr val="FFFFFF"/>
                 </a:solidFill>
               </a14:hiddenFill>
             </a:ext>
             <a:ext uri="{91240B29-F687-4f45-9708-019B960494DF}">
-              <a14:hiddenLine xmlns="" xmlns:a14="http://schemas.microsoft.com/office/drawing/2010/main" w="9525">
+              <a14:hiddenLine xmlns:a14="http://schemas.microsoft.com/office/drawing/2010/main" xmlns="" w="9525">
                 <a:solidFill>
                   <a:srgbClr val="000000"/>
                 </a:solidFill>
@@ -5358,14 +5358,14 @@
             </a:ln>
             <a:extLst>
               <a:ext uri="{909E8E84-426E-40dd-AFC4-6F175D3DCCD1}">
-                <a14:hiddenFill xmlns="" xmlns:a14="http://schemas.microsoft.com/office/drawing/2010/main">
+                <a14:hiddenFill xmlns:a14="http://schemas.microsoft.com/office/drawing/2010/main" xmlns="">
                   <a:solidFill>
                     <a:srgbClr val="FFFFFF"/>
                   </a:solidFill>
                 </a14:hiddenFill>
               </a:ext>
               <a:ext uri="{91240B29-F687-4f45-9708-019B960494DF}">
-                <a14:hiddenLine xmlns="" xmlns:a14="http://schemas.microsoft.com/office/drawing/2010/main" w="9525">
+                <a14:hiddenLine xmlns:a14="http://schemas.microsoft.com/office/drawing/2010/main" xmlns="" w="9525">
                   <a:solidFill>
                     <a:srgbClr val="000000"/>
                   </a:solidFill>
@@ -5691,14 +5691,14 @@
           </a:ln>
           <a:extLst>
             <a:ext uri="{909E8E84-426E-40dd-AFC4-6F175D3DCCD1}">
-              <a14:hiddenFill xmlns:a14="http://schemas.microsoft.com/office/drawing/2010/main" xmlns="">
+              <a14:hiddenFill xmlns="" xmlns:a14="http://schemas.microsoft.com/office/drawing/2010/main">
                 <a:solidFill>
                   <a:srgbClr val="FFFFFF"/>
                 </a:solidFill>
               </a14:hiddenFill>
             </a:ext>
             <a:ext uri="{91240B29-F687-4f45-9708-019B960494DF}">
-              <a14:hiddenLine xmlns:a14="http://schemas.microsoft.com/office/drawing/2010/main" xmlns="" w="9525">
+              <a14:hiddenLine xmlns="" xmlns:a14="http://schemas.microsoft.com/office/drawing/2010/main" w="9525">
                 <a:solidFill>
                   <a:srgbClr val="000000"/>
                 </a:solidFill>
@@ -5952,14 +5952,14 @@
             </a:ln>
             <a:extLst>
               <a:ext uri="{909E8E84-426E-40dd-AFC4-6F175D3DCCD1}">
-                <a14:hiddenFill xmlns:a14="http://schemas.microsoft.com/office/drawing/2010/main" xmlns="">
+                <a14:hiddenFill xmlns="" xmlns:a14="http://schemas.microsoft.com/office/drawing/2010/main">
                   <a:solidFill>
                     <a:srgbClr val="FFFFFF"/>
                   </a:solidFill>
                 </a14:hiddenFill>
               </a:ext>
               <a:ext uri="{91240B29-F687-4f45-9708-019B960494DF}">
-                <a14:hiddenLine xmlns:a14="http://schemas.microsoft.com/office/drawing/2010/main" xmlns="" w="9525">
+                <a14:hiddenLine xmlns="" xmlns:a14="http://schemas.microsoft.com/office/drawing/2010/main" w="9525">
                   <a:solidFill>
                     <a:srgbClr val="000000"/>
                   </a:solidFill>
@@ -6202,14 +6202,14 @@
           </a:ln>
           <a:extLst>
             <a:ext uri="{909E8E84-426E-40dd-AFC4-6F175D3DCCD1}">
-              <a14:hiddenFill xmlns="" xmlns:a14="http://schemas.microsoft.com/office/drawing/2010/main">
+              <a14:hiddenFill xmlns:a14="http://schemas.microsoft.com/office/drawing/2010/main" xmlns="">
                 <a:solidFill>
                   <a:srgbClr val="FFFFFF"/>
                 </a:solidFill>
               </a14:hiddenFill>
             </a:ext>
             <a:ext uri="{91240B29-F687-4f45-9708-019B960494DF}">
-              <a14:hiddenLine xmlns="" xmlns:a14="http://schemas.microsoft.com/office/drawing/2010/main" w="9525">
+              <a14:hiddenLine xmlns:a14="http://schemas.microsoft.com/office/drawing/2010/main" xmlns="" w="9525">
                 <a:solidFill>
                   <a:srgbClr val="000000"/>
                 </a:solidFill>
@@ -6593,14 +6593,14 @@
             </a:ln>
             <a:extLst>
               <a:ext uri="{909E8E84-426E-40dd-AFC4-6F175D3DCCD1}">
-                <a14:hiddenFill xmlns="" xmlns:a14="http://schemas.microsoft.com/office/drawing/2010/main">
+                <a14:hiddenFill xmlns:a14="http://schemas.microsoft.com/office/drawing/2010/main" xmlns="">
                   <a:solidFill>
                     <a:srgbClr val="FFFFFF"/>
                   </a:solidFill>
                 </a14:hiddenFill>
               </a:ext>
               <a:ext uri="{91240B29-F687-4f45-9708-019B960494DF}">
-                <a14:hiddenLine xmlns="" xmlns:a14="http://schemas.microsoft.com/office/drawing/2010/main" w="9525">
+                <a14:hiddenLine xmlns:a14="http://schemas.microsoft.com/office/drawing/2010/main" xmlns="" w="9525">
                   <a:solidFill>
                     <a:srgbClr val="000000"/>
                   </a:solidFill>
@@ -6738,14 +6738,14 @@
           </a:ln>
           <a:extLst>
             <a:ext uri="{909E8E84-426E-40dd-AFC4-6F175D3DCCD1}">
-              <a14:hiddenFill xmlns:a14="http://schemas.microsoft.com/office/drawing/2010/main" xmlns="">
+              <a14:hiddenFill xmlns="" xmlns:a14="http://schemas.microsoft.com/office/drawing/2010/main">
                 <a:solidFill>
                   <a:srgbClr val="FFFFFF"/>
                 </a:solidFill>
               </a14:hiddenFill>
             </a:ext>
             <a:ext uri="{91240B29-F687-4f45-9708-019B960494DF}">
-              <a14:hiddenLine xmlns:a14="http://schemas.microsoft.com/office/drawing/2010/main" xmlns="" w="9525">
+              <a14:hiddenLine xmlns="" xmlns:a14="http://schemas.microsoft.com/office/drawing/2010/main" w="9525">
                 <a:solidFill>
                   <a:srgbClr val="000000"/>
                 </a:solidFill>
@@ -7129,14 +7129,14 @@
             </a:ln>
             <a:extLst>
               <a:ext uri="{909E8E84-426E-40dd-AFC4-6F175D3DCCD1}">
-                <a14:hiddenFill xmlns:a14="http://schemas.microsoft.com/office/drawing/2010/main" xmlns="">
+                <a14:hiddenFill xmlns="" xmlns:a14="http://schemas.microsoft.com/office/drawing/2010/main">
                   <a:solidFill>
                     <a:srgbClr val="FFFFFF"/>
                   </a:solidFill>
                 </a14:hiddenFill>
               </a:ext>
               <a:ext uri="{91240B29-F687-4f45-9708-019B960494DF}">
-                <a14:hiddenLine xmlns:a14="http://schemas.microsoft.com/office/drawing/2010/main" xmlns="" w="9525">
+                <a14:hiddenLine xmlns="" xmlns:a14="http://schemas.microsoft.com/office/drawing/2010/main" w="9525">
                   <a:solidFill>
                     <a:srgbClr val="000000"/>
                   </a:solidFill>
@@ -7214,14 +7214,14 @@
           </a:ln>
           <a:extLst>
             <a:ext uri="{909E8E84-426E-40dd-AFC4-6F175D3DCCD1}">
-              <a14:hiddenFill xmlns:a14="http://schemas.microsoft.com/office/drawing/2010/main" xmlns="">
+              <a14:hiddenFill xmlns="" xmlns:a14="http://schemas.microsoft.com/office/drawing/2010/main">
                 <a:solidFill>
                   <a:srgbClr val="FFFFFF"/>
                 </a:solidFill>
               </a14:hiddenFill>
             </a:ext>
             <a:ext uri="{91240B29-F687-4f45-9708-019B960494DF}">
-              <a14:hiddenLine xmlns:a14="http://schemas.microsoft.com/office/drawing/2010/main" xmlns="" w="9525">
+              <a14:hiddenLine xmlns="" xmlns:a14="http://schemas.microsoft.com/office/drawing/2010/main" w="9525">
                 <a:solidFill>
                   <a:srgbClr val="000000"/>
                 </a:solidFill>
@@ -7440,14 +7440,14 @@
             </a:ln>
             <a:extLst>
               <a:ext uri="{909E8E84-426E-40dd-AFC4-6F175D3DCCD1}">
-                <a14:hiddenFill xmlns:a14="http://schemas.microsoft.com/office/drawing/2010/main" xmlns="">
+                <a14:hiddenFill xmlns="" xmlns:a14="http://schemas.microsoft.com/office/drawing/2010/main">
                   <a:solidFill>
                     <a:srgbClr val="FFFFFF"/>
                   </a:solidFill>
                 </a14:hiddenFill>
               </a:ext>
               <a:ext uri="{91240B29-F687-4f45-9708-019B960494DF}">
-                <a14:hiddenLine xmlns:a14="http://schemas.microsoft.com/office/drawing/2010/main" xmlns="" w="9525">
+                <a14:hiddenLine xmlns="" xmlns:a14="http://schemas.microsoft.com/office/drawing/2010/main" w="9525">
                   <a:solidFill>
                     <a:srgbClr val="000000"/>
                   </a:solidFill>
@@ -7931,14 +7931,14 @@
           </a:ln>
           <a:extLst>
             <a:ext uri="{909E8E84-426E-40dd-AFC4-6F175D3DCCD1}">
-              <a14:hiddenFill xmlns:a14="http://schemas.microsoft.com/office/drawing/2010/main" xmlns="">
+              <a14:hiddenFill xmlns="" xmlns:a14="http://schemas.microsoft.com/office/drawing/2010/main">
                 <a:solidFill>
                   <a:srgbClr val="FFFFFF"/>
                 </a:solidFill>
               </a14:hiddenFill>
             </a:ext>
             <a:ext uri="{91240B29-F687-4f45-9708-019B960494DF}">
-              <a14:hiddenLine xmlns:a14="http://schemas.microsoft.com/office/drawing/2010/main" xmlns="" w="9525">
+              <a14:hiddenLine xmlns="" xmlns:a14="http://schemas.microsoft.com/office/drawing/2010/main" w="9525">
                 <a:solidFill>
                   <a:srgbClr val="000000"/>
                 </a:solidFill>
@@ -8192,14 +8192,14 @@
             </a:ln>
             <a:extLst>
               <a:ext uri="{909E8E84-426E-40dd-AFC4-6F175D3DCCD1}">
-                <a14:hiddenFill xmlns:a14="http://schemas.microsoft.com/office/drawing/2010/main" xmlns="">
+                <a14:hiddenFill xmlns="" xmlns:a14="http://schemas.microsoft.com/office/drawing/2010/main">
                   <a:solidFill>
                     <a:srgbClr val="FFFFFF"/>
                   </a:solidFill>
                 </a14:hiddenFill>
               </a:ext>
               <a:ext uri="{91240B29-F687-4f45-9708-019B960494DF}">
-                <a14:hiddenLine xmlns:a14="http://schemas.microsoft.com/office/drawing/2010/main" xmlns="" w="9525">
+                <a14:hiddenLine xmlns="" xmlns:a14="http://schemas.microsoft.com/office/drawing/2010/main" w="9525">
                   <a:solidFill>
                     <a:srgbClr val="000000"/>
                   </a:solidFill>
@@ -8555,14 +8555,14 @@
           </a:ln>
           <a:extLst>
             <a:ext uri="{909E8E84-426E-40dd-AFC4-6F175D3DCCD1}">
-              <a14:hiddenFill xmlns:a14="http://schemas.microsoft.com/office/drawing/2010/main" xmlns="">
+              <a14:hiddenFill xmlns="" xmlns:a14="http://schemas.microsoft.com/office/drawing/2010/main">
                 <a:solidFill>
                   <a:srgbClr val="FFFFFF"/>
                 </a:solidFill>
               </a14:hiddenFill>
             </a:ext>
             <a:ext uri="{91240B29-F687-4f45-9708-019B960494DF}">
-              <a14:hiddenLine xmlns:a14="http://schemas.microsoft.com/office/drawing/2010/main" xmlns="" w="9525">
+              <a14:hiddenLine xmlns="" xmlns:a14="http://schemas.microsoft.com/office/drawing/2010/main" w="9525">
                 <a:solidFill>
                   <a:srgbClr val="000000"/>
                 </a:solidFill>
@@ -8946,14 +8946,14 @@
             </a:ln>
             <a:extLst>
               <a:ext uri="{909E8E84-426E-40dd-AFC4-6F175D3DCCD1}">
-                <a14:hiddenFill xmlns:a14="http://schemas.microsoft.com/office/drawing/2010/main" xmlns="">
+                <a14:hiddenFill xmlns="" xmlns:a14="http://schemas.microsoft.com/office/drawing/2010/main">
                   <a:solidFill>
                     <a:srgbClr val="FFFFFF"/>
                   </a:solidFill>
                 </a14:hiddenFill>
               </a:ext>
               <a:ext uri="{91240B29-F687-4f45-9708-019B960494DF}">
-                <a14:hiddenLine xmlns:a14="http://schemas.microsoft.com/office/drawing/2010/main" xmlns="" w="9525">
+                <a14:hiddenLine xmlns="" xmlns:a14="http://schemas.microsoft.com/office/drawing/2010/main" w="9525">
                   <a:solidFill>
                     <a:srgbClr val="000000"/>
                   </a:solidFill>
@@ -13882,17 +13882,17 @@
           </a:ln>
           <a:extLst>
             <a:ext uri="{FAA26D3D-D897-4be2-8F04-BA451C77F1D7}">
-              <ma14:placeholderFlag xmlns:ma14="http://schemas.microsoft.com/office/mac/drawingml/2011/main" xmlns="" val="1"/>
+              <ma14:placeholderFlag xmlns="" xmlns:ma14="http://schemas.microsoft.com/office/mac/drawingml/2011/main" val="1"/>
             </a:ext>
             <a:ext uri="{909E8E84-426E-40dd-AFC4-6F175D3DCCD1}">
-              <a14:hiddenFill xmlns:a14="http://schemas.microsoft.com/office/drawing/2010/main" xmlns="">
+              <a14:hiddenFill xmlns="" xmlns:a14="http://schemas.microsoft.com/office/drawing/2010/main">
                 <a:solidFill>
                   <a:srgbClr val="FFFFFF"/>
                 </a:solidFill>
               </a14:hiddenFill>
             </a:ext>
             <a:ext uri="{91240B29-F687-4f45-9708-019B960494DF}">
-              <a14:hiddenLine xmlns:a14="http://schemas.microsoft.com/office/drawing/2010/main" xmlns="" w="9525">
+              <a14:hiddenLine xmlns="" xmlns:a14="http://schemas.microsoft.com/office/drawing/2010/main" w="9525">
                 <a:solidFill>
                   <a:srgbClr val="000000"/>
                 </a:solidFill>
@@ -13943,17 +13943,17 @@
           </a:ln>
           <a:extLst>
             <a:ext uri="{FAA26D3D-D897-4be2-8F04-BA451C77F1D7}">
-              <ma14:placeholderFlag xmlns:ma14="http://schemas.microsoft.com/office/mac/drawingml/2011/main" xmlns="" val="1"/>
+              <ma14:placeholderFlag xmlns="" xmlns:ma14="http://schemas.microsoft.com/office/mac/drawingml/2011/main" val="1"/>
             </a:ext>
             <a:ext uri="{909E8E84-426E-40dd-AFC4-6F175D3DCCD1}">
-              <a14:hiddenFill xmlns:a14="http://schemas.microsoft.com/office/drawing/2010/main" xmlns="">
+              <a14:hiddenFill xmlns="" xmlns:a14="http://schemas.microsoft.com/office/drawing/2010/main">
                 <a:solidFill>
                   <a:srgbClr val="FFFFFF"/>
                 </a:solidFill>
               </a14:hiddenFill>
             </a:ext>
             <a:ext uri="{91240B29-F687-4f45-9708-019B960494DF}">
-              <a14:hiddenLine xmlns:a14="http://schemas.microsoft.com/office/drawing/2010/main" xmlns="" w="9525">
+              <a14:hiddenLine xmlns="" xmlns:a14="http://schemas.microsoft.com/office/drawing/2010/main" w="9525">
                 <a:solidFill>
                   <a:srgbClr val="000000"/>
                 </a:solidFill>
@@ -14600,17 +14600,17 @@
           </a:ln>
           <a:extLst>
             <a:ext uri="{FAA26D3D-D897-4be2-8F04-BA451C77F1D7}">
-              <ma14:placeholderFlag xmlns="" xmlns:ma14="http://schemas.microsoft.com/office/mac/drawingml/2011/main" val="1"/>
+              <ma14:placeholderFlag xmlns:ma14="http://schemas.microsoft.com/office/mac/drawingml/2011/main" xmlns="" val="1"/>
             </a:ext>
             <a:ext uri="{909E8E84-426E-40dd-AFC4-6F175D3DCCD1}">
-              <a14:hiddenFill xmlns="" xmlns:a14="http://schemas.microsoft.com/office/drawing/2010/main">
+              <a14:hiddenFill xmlns:a14="http://schemas.microsoft.com/office/drawing/2010/main" xmlns="">
                 <a:solidFill>
                   <a:srgbClr val="FFFFFF"/>
                 </a:solidFill>
               </a14:hiddenFill>
             </a:ext>
             <a:ext uri="{91240B29-F687-4f45-9708-019B960494DF}">
-              <a14:hiddenLine xmlns="" xmlns:a14="http://schemas.microsoft.com/office/drawing/2010/main" w="9525">
+              <a14:hiddenLine xmlns:a14="http://schemas.microsoft.com/office/drawing/2010/main" xmlns="" w="9525">
                 <a:solidFill>
                   <a:srgbClr val="000000"/>
                 </a:solidFill>
@@ -14661,17 +14661,17 @@
           </a:ln>
           <a:extLst>
             <a:ext uri="{FAA26D3D-D897-4be2-8F04-BA451C77F1D7}">
-              <ma14:placeholderFlag xmlns="" xmlns:ma14="http://schemas.microsoft.com/office/mac/drawingml/2011/main" val="1"/>
+              <ma14:placeholderFlag xmlns:ma14="http://schemas.microsoft.com/office/mac/drawingml/2011/main" xmlns="" val="1"/>
             </a:ext>
             <a:ext uri="{909E8E84-426E-40dd-AFC4-6F175D3DCCD1}">
-              <a14:hiddenFill xmlns="" xmlns:a14="http://schemas.microsoft.com/office/drawing/2010/main">
+              <a14:hiddenFill xmlns:a14="http://schemas.microsoft.com/office/drawing/2010/main" xmlns="">
                 <a:solidFill>
                   <a:srgbClr val="FFFFFF"/>
                 </a:solidFill>
               </a14:hiddenFill>
             </a:ext>
             <a:ext uri="{91240B29-F687-4f45-9708-019B960494DF}">
-              <a14:hiddenLine xmlns="" xmlns:a14="http://schemas.microsoft.com/office/drawing/2010/main" w="9525">
+              <a14:hiddenLine xmlns:a14="http://schemas.microsoft.com/office/drawing/2010/main" xmlns="" w="9525">
                 <a:solidFill>
                   <a:srgbClr val="000000"/>
                 </a:solidFill>
@@ -15313,17 +15313,17 @@
           </a:ln>
           <a:extLst>
             <a:ext uri="{FAA26D3D-D897-4be2-8F04-BA451C77F1D7}">
-              <ma14:placeholderFlag xmlns="" xmlns:ma14="http://schemas.microsoft.com/office/mac/drawingml/2011/main" val="1"/>
+              <ma14:placeholderFlag xmlns:ma14="http://schemas.microsoft.com/office/mac/drawingml/2011/main" xmlns="" val="1"/>
             </a:ext>
             <a:ext uri="{909E8E84-426E-40dd-AFC4-6F175D3DCCD1}">
-              <a14:hiddenFill xmlns="" xmlns:a14="http://schemas.microsoft.com/office/drawing/2010/main">
+              <a14:hiddenFill xmlns:a14="http://schemas.microsoft.com/office/drawing/2010/main" xmlns="">
                 <a:solidFill>
                   <a:srgbClr val="FFFFFF"/>
                 </a:solidFill>
               </a14:hiddenFill>
             </a:ext>
             <a:ext uri="{91240B29-F687-4f45-9708-019B960494DF}">
-              <a14:hiddenLine xmlns="" xmlns:a14="http://schemas.microsoft.com/office/drawing/2010/main" w="9525">
+              <a14:hiddenLine xmlns:a14="http://schemas.microsoft.com/office/drawing/2010/main" xmlns="" w="9525">
                 <a:solidFill>
                   <a:srgbClr val="000000"/>
                 </a:solidFill>
@@ -15374,17 +15374,17 @@
           </a:ln>
           <a:extLst>
             <a:ext uri="{FAA26D3D-D897-4be2-8F04-BA451C77F1D7}">
-              <ma14:placeholderFlag xmlns="" xmlns:ma14="http://schemas.microsoft.com/office/mac/drawingml/2011/main" val="1"/>
+              <ma14:placeholderFlag xmlns:ma14="http://schemas.microsoft.com/office/mac/drawingml/2011/main" xmlns="" val="1"/>
             </a:ext>
             <a:ext uri="{909E8E84-426E-40dd-AFC4-6F175D3DCCD1}">
-              <a14:hiddenFill xmlns="" xmlns:a14="http://schemas.microsoft.com/office/drawing/2010/main">
+              <a14:hiddenFill xmlns:a14="http://schemas.microsoft.com/office/drawing/2010/main" xmlns="">
                 <a:solidFill>
                   <a:srgbClr val="FFFFFF"/>
                 </a:solidFill>
               </a14:hiddenFill>
             </a:ext>
             <a:ext uri="{91240B29-F687-4f45-9708-019B960494DF}">
-              <a14:hiddenLine xmlns="" xmlns:a14="http://schemas.microsoft.com/office/drawing/2010/main" w="9525">
+              <a14:hiddenLine xmlns:a14="http://schemas.microsoft.com/office/drawing/2010/main" xmlns="" w="9525">
                 <a:solidFill>
                   <a:srgbClr val="000000"/>
                 </a:solidFill>
@@ -16047,14 +16047,14 @@
           </a:ln>
           <a:extLst>
             <a:ext uri="{909E8E84-426E-40dd-AFC4-6F175D3DCCD1}">
-              <a14:hiddenFill xmlns="" xmlns:a14="http://schemas.microsoft.com/office/drawing/2010/main">
+              <a14:hiddenFill xmlns:a14="http://schemas.microsoft.com/office/drawing/2010/main" xmlns="">
                 <a:solidFill>
                   <a:srgbClr val="FFFFFF"/>
                 </a:solidFill>
               </a14:hiddenFill>
             </a:ext>
             <a:ext uri="{91240B29-F687-4f45-9708-019B960494DF}">
-              <a14:hiddenLine xmlns="" xmlns:a14="http://schemas.microsoft.com/office/drawing/2010/main" w="9525">
+              <a14:hiddenLine xmlns:a14="http://schemas.microsoft.com/office/drawing/2010/main" xmlns="" w="9525">
                 <a:solidFill>
                   <a:srgbClr val="000000"/>
                 </a:solidFill>
@@ -16190,14 +16190,14 @@
           </a:ln>
           <a:extLst>
             <a:ext uri="{909E8E84-426E-40dd-AFC4-6F175D3DCCD1}">
-              <a14:hiddenFill xmlns="" xmlns:a14="http://schemas.microsoft.com/office/drawing/2010/main">
+              <a14:hiddenFill xmlns:a14="http://schemas.microsoft.com/office/drawing/2010/main" xmlns="">
                 <a:solidFill>
                   <a:srgbClr val="FFFFFF"/>
                 </a:solidFill>
               </a14:hiddenFill>
             </a:ext>
             <a:ext uri="{91240B29-F687-4f45-9708-019B960494DF}">
-              <a14:hiddenLine xmlns="" xmlns:a14="http://schemas.microsoft.com/office/drawing/2010/main" w="9525">
+              <a14:hiddenLine xmlns:a14="http://schemas.microsoft.com/office/drawing/2010/main" xmlns="" w="9525">
                 <a:solidFill>
                   <a:srgbClr val="000000"/>
                 </a:solidFill>
